--- a/二評文件/二評雜項/PP. 7-1實體關聯圖.pptx
+++ b/二評文件/二評雜項/PP. 7-1實體關聯圖.pptx
@@ -5,7 +5,7 @@
     <p:sldMasterId id="2147483648" r:id="rId1"/>
   </p:sldMasterIdLst>
   <p:sldIdLst>
-    <p:sldId id="256" r:id="rId2"/>
+    <p:sldId id="257" r:id="rId2"/>
   </p:sldIdLst>
   <p:sldSz cx="12192000" cy="6858000"/>
   <p:notesSz cx="6858000" cy="9144000"/>
@@ -104,6 +104,22 @@
       </a:defRPr>
     </a:lvl9pPr>
   </p:defaultTextStyle>
+  <p:extLst>
+    <p:ext uri="{EFAFB233-063F-42B5-8137-9DF3F51BA10A}">
+      <p15:sldGuideLst xmlns:p15="http://schemas.microsoft.com/office/powerpoint/2012/main">
+        <p15:guide id="1" orient="horz" pos="2160" userDrawn="1">
+          <p15:clr>
+            <a:srgbClr val="A4A3A4"/>
+          </p15:clr>
+        </p15:guide>
+        <p15:guide id="2" pos="3840" userDrawn="1">
+          <p15:clr>
+            <a:srgbClr val="A4A3A4"/>
+          </p15:clr>
+        </p15:guide>
+      </p15:sldGuideLst>
+    </p:ext>
+  </p:extLst>
 </p:presentation>
 </file>
 
@@ -126,13 +142,7 @@
       </p:grpSpPr>
       <p:sp>
         <p:nvSpPr>
-          <p:cNvPr id="2" name="標題 1">
-            <a:extLst>
-              <a:ext uri="{FF2B5EF4-FFF2-40B4-BE49-F238E27FC236}">
-                <a16:creationId xmlns:a16="http://schemas.microsoft.com/office/drawing/2014/main" id="{DF181461-1553-4B4F-836D-BABBB56C1764}"/>
-              </a:ext>
-            </a:extLst>
-          </p:cNvPr>
+          <p:cNvPr id="2" name="標題 1"/>
           <p:cNvSpPr>
             <a:spLocks noGrp="1"/>
           </p:cNvSpPr>
@@ -155,21 +165,16 @@
           </a:lstStyle>
           <a:p>
             <a:r>
-              <a:rPr lang="zh-TW" altLang="en-US"/>
+              <a:rPr lang="zh-TW" altLang="en-US" smtClean="0"/>
               <a:t>按一下以編輯母片標題樣式</a:t>
             </a:r>
-          </a:p>
-        </p:txBody>
-      </p:sp>
-      <p:sp>
-        <p:nvSpPr>
-          <p:cNvPr id="3" name="副標題 2">
-            <a:extLst>
-              <a:ext uri="{FF2B5EF4-FFF2-40B4-BE49-F238E27FC236}">
-                <a16:creationId xmlns:a16="http://schemas.microsoft.com/office/drawing/2014/main" id="{ACC66A6D-87A4-41AA-B603-3CF5FBA91660}"/>
-              </a:ext>
-            </a:extLst>
-          </p:cNvPr>
+            <a:endParaRPr lang="zh-TW" altLang="en-US"/>
+          </a:p>
+        </p:txBody>
+      </p:sp>
+      <p:sp>
+        <p:nvSpPr>
+          <p:cNvPr id="3" name="副標題 2"/>
           <p:cNvSpPr>
             <a:spLocks noGrp="1"/>
           </p:cNvSpPr>
@@ -225,21 +230,16 @@
           </a:lstStyle>
           <a:p>
             <a:r>
-              <a:rPr lang="zh-TW" altLang="en-US"/>
-              <a:t>按一下以編輯母片子標題樣式</a:t>
-            </a:r>
-          </a:p>
-        </p:txBody>
-      </p:sp>
-      <p:sp>
-        <p:nvSpPr>
-          <p:cNvPr id="4" name="日期版面配置區 3">
-            <a:extLst>
-              <a:ext uri="{FF2B5EF4-FFF2-40B4-BE49-F238E27FC236}">
-                <a16:creationId xmlns:a16="http://schemas.microsoft.com/office/drawing/2014/main" id="{C6564CD2-3EE4-47EB-8507-89A0BB4CE123}"/>
-              </a:ext>
-            </a:extLst>
-          </p:cNvPr>
+              <a:rPr lang="zh-TW" altLang="en-US" smtClean="0"/>
+              <a:t>按一下以編輯母片副標題樣式</a:t>
+            </a:r>
+            <a:endParaRPr lang="zh-TW" altLang="en-US"/>
+          </a:p>
+        </p:txBody>
+      </p:sp>
+      <p:sp>
+        <p:nvSpPr>
+          <p:cNvPr id="4" name="日期版面配置區 3"/>
           <p:cNvSpPr>
             <a:spLocks noGrp="1"/>
           </p:cNvSpPr>
@@ -252,9 +252,9 @@
           <a:bodyPr/>
           <a:lstStyle/>
           <a:p>
-            <a:fld id="{02BD3EAE-97EC-4489-A269-25A39711027D}" type="datetimeFigureOut">
-              <a:rPr lang="zh-TW" altLang="en-US" smtClean="0"/>
-              <a:t>2020/3/30</a:t>
+            <a:fld id="{44B41643-F996-44B9-B2A8-0CF003993389}" type="datetimeFigureOut">
+              <a:rPr lang="zh-TW" altLang="en-US" smtClean="0"/>
+              <a:t>2020/5/17</a:t>
             </a:fld>
             <a:endParaRPr lang="zh-TW" altLang="en-US"/>
           </a:p>
@@ -262,13 +262,7 @@
       </p:sp>
       <p:sp>
         <p:nvSpPr>
-          <p:cNvPr id="5" name="頁尾版面配置區 4">
-            <a:extLst>
-              <a:ext uri="{FF2B5EF4-FFF2-40B4-BE49-F238E27FC236}">
-                <a16:creationId xmlns:a16="http://schemas.microsoft.com/office/drawing/2014/main" id="{B303788D-96C4-4E6A-B8D7-27780FD11ED0}"/>
-              </a:ext>
-            </a:extLst>
-          </p:cNvPr>
+          <p:cNvPr id="5" name="頁尾版面配置區 4"/>
           <p:cNvSpPr>
             <a:spLocks noGrp="1"/>
           </p:cNvSpPr>
@@ -287,13 +281,7 @@
       </p:sp>
       <p:sp>
         <p:nvSpPr>
-          <p:cNvPr id="6" name="投影片編號版面配置區 5">
-            <a:extLst>
-              <a:ext uri="{FF2B5EF4-FFF2-40B4-BE49-F238E27FC236}">
-                <a16:creationId xmlns:a16="http://schemas.microsoft.com/office/drawing/2014/main" id="{146E5B5E-F291-4F54-948B-D2125CEE19B9}"/>
-              </a:ext>
-            </a:extLst>
-          </p:cNvPr>
+          <p:cNvPr id="6" name="投影片編號版面配置區 5"/>
           <p:cNvSpPr>
             <a:spLocks noGrp="1"/>
           </p:cNvSpPr>
@@ -306,7 +294,7 @@
           <a:bodyPr/>
           <a:lstStyle/>
           <a:p>
-            <a:fld id="{DA65D73A-5DE4-4A94-BC71-85DD092D98A6}" type="slidenum">
+            <a:fld id="{9A9DCDA1-3A1F-44B4-B37E-6DCF223B9C52}" type="slidenum">
               <a:rPr lang="zh-TW" altLang="en-US" smtClean="0"/>
               <a:t>‹#›</a:t>
             </a:fld>
@@ -317,7 +305,7 @@
     </p:spTree>
     <p:extLst>
       <p:ext uri="{BB962C8B-B14F-4D97-AF65-F5344CB8AC3E}">
-        <p14:creationId xmlns:p14="http://schemas.microsoft.com/office/powerpoint/2010/main" val="1132646662"/>
+        <p14:creationId xmlns:p14="http://schemas.microsoft.com/office/powerpoint/2010/main" val="112724867"/>
       </p:ext>
     </p:extLst>
   </p:cSld>
@@ -346,13 +334,7 @@
       </p:grpSpPr>
       <p:sp>
         <p:nvSpPr>
-          <p:cNvPr id="2" name="標題 1">
-            <a:extLst>
-              <a:ext uri="{FF2B5EF4-FFF2-40B4-BE49-F238E27FC236}">
-                <a16:creationId xmlns:a16="http://schemas.microsoft.com/office/drawing/2014/main" id="{F4A242A6-02F6-48DA-AD3B-D7E48492FB44}"/>
-              </a:ext>
-            </a:extLst>
-          </p:cNvPr>
+          <p:cNvPr id="2" name="標題 1"/>
           <p:cNvSpPr>
             <a:spLocks noGrp="1"/>
           </p:cNvSpPr>
@@ -366,21 +348,16 @@
           <a:lstStyle/>
           <a:p>
             <a:r>
-              <a:rPr lang="zh-TW" altLang="en-US"/>
+              <a:rPr lang="zh-TW" altLang="en-US" smtClean="0"/>
               <a:t>按一下以編輯母片標題樣式</a:t>
             </a:r>
-          </a:p>
-        </p:txBody>
-      </p:sp>
-      <p:sp>
-        <p:nvSpPr>
-          <p:cNvPr id="3" name="直排文字版面配置區 2">
-            <a:extLst>
-              <a:ext uri="{FF2B5EF4-FFF2-40B4-BE49-F238E27FC236}">
-                <a16:creationId xmlns:a16="http://schemas.microsoft.com/office/drawing/2014/main" id="{704F81DC-4850-4E05-BD3F-683D557B9BDD}"/>
-              </a:ext>
-            </a:extLst>
-          </p:cNvPr>
+            <a:endParaRPr lang="zh-TW" altLang="en-US"/>
+          </a:p>
+        </p:txBody>
+      </p:sp>
+      <p:sp>
+        <p:nvSpPr>
+          <p:cNvPr id="3" name="直排文字版面配置區 2"/>
           <p:cNvSpPr>
             <a:spLocks noGrp="1"/>
           </p:cNvSpPr>
@@ -395,49 +372,44 @@
           <a:p>
             <a:pPr lvl="0"/>
             <a:r>
-              <a:rPr lang="zh-TW" altLang="en-US"/>
-              <a:t>按一下以編輯母片文字樣式</a:t>
+              <a:rPr lang="zh-TW" altLang="en-US" smtClean="0"/>
+              <a:t>編輯母片文字樣式</a:t>
             </a:r>
           </a:p>
           <a:p>
             <a:pPr lvl="1"/>
             <a:r>
-              <a:rPr lang="zh-TW" altLang="en-US"/>
+              <a:rPr lang="zh-TW" altLang="en-US" smtClean="0"/>
               <a:t>第二層</a:t>
             </a:r>
           </a:p>
           <a:p>
             <a:pPr lvl="2"/>
             <a:r>
-              <a:rPr lang="zh-TW" altLang="en-US"/>
+              <a:rPr lang="zh-TW" altLang="en-US" smtClean="0"/>
               <a:t>第三層</a:t>
             </a:r>
           </a:p>
           <a:p>
             <a:pPr lvl="3"/>
             <a:r>
-              <a:rPr lang="zh-TW" altLang="en-US"/>
+              <a:rPr lang="zh-TW" altLang="en-US" smtClean="0"/>
               <a:t>第四層</a:t>
             </a:r>
           </a:p>
           <a:p>
             <a:pPr lvl="4"/>
             <a:r>
-              <a:rPr lang="zh-TW" altLang="en-US"/>
+              <a:rPr lang="zh-TW" altLang="en-US" smtClean="0"/>
               <a:t>第五層</a:t>
             </a:r>
-          </a:p>
-        </p:txBody>
-      </p:sp>
-      <p:sp>
-        <p:nvSpPr>
-          <p:cNvPr id="4" name="日期版面配置區 3">
-            <a:extLst>
-              <a:ext uri="{FF2B5EF4-FFF2-40B4-BE49-F238E27FC236}">
-                <a16:creationId xmlns:a16="http://schemas.microsoft.com/office/drawing/2014/main" id="{95E77CD3-0837-486A-91D4-D2AFD95DE322}"/>
-              </a:ext>
-            </a:extLst>
-          </p:cNvPr>
+            <a:endParaRPr lang="zh-TW" altLang="en-US"/>
+          </a:p>
+        </p:txBody>
+      </p:sp>
+      <p:sp>
+        <p:nvSpPr>
+          <p:cNvPr id="4" name="日期版面配置區 3"/>
           <p:cNvSpPr>
             <a:spLocks noGrp="1"/>
           </p:cNvSpPr>
@@ -450,9 +422,9 @@
           <a:bodyPr/>
           <a:lstStyle/>
           <a:p>
-            <a:fld id="{02BD3EAE-97EC-4489-A269-25A39711027D}" type="datetimeFigureOut">
-              <a:rPr lang="zh-TW" altLang="en-US" smtClean="0"/>
-              <a:t>2020/3/30</a:t>
+            <a:fld id="{44B41643-F996-44B9-B2A8-0CF003993389}" type="datetimeFigureOut">
+              <a:rPr lang="zh-TW" altLang="en-US" smtClean="0"/>
+              <a:t>2020/5/17</a:t>
             </a:fld>
             <a:endParaRPr lang="zh-TW" altLang="en-US"/>
           </a:p>
@@ -460,13 +432,7 @@
       </p:sp>
       <p:sp>
         <p:nvSpPr>
-          <p:cNvPr id="5" name="頁尾版面配置區 4">
-            <a:extLst>
-              <a:ext uri="{FF2B5EF4-FFF2-40B4-BE49-F238E27FC236}">
-                <a16:creationId xmlns:a16="http://schemas.microsoft.com/office/drawing/2014/main" id="{13B10F5C-4D48-4A47-9483-29AB5451A320}"/>
-              </a:ext>
-            </a:extLst>
-          </p:cNvPr>
+          <p:cNvPr id="5" name="頁尾版面配置區 4"/>
           <p:cNvSpPr>
             <a:spLocks noGrp="1"/>
           </p:cNvSpPr>
@@ -485,13 +451,7 @@
       </p:sp>
       <p:sp>
         <p:nvSpPr>
-          <p:cNvPr id="6" name="投影片編號版面配置區 5">
-            <a:extLst>
-              <a:ext uri="{FF2B5EF4-FFF2-40B4-BE49-F238E27FC236}">
-                <a16:creationId xmlns:a16="http://schemas.microsoft.com/office/drawing/2014/main" id="{B0B3B572-BE92-4630-8AA1-057D5DA18C6D}"/>
-              </a:ext>
-            </a:extLst>
-          </p:cNvPr>
+          <p:cNvPr id="6" name="投影片編號版面配置區 5"/>
           <p:cNvSpPr>
             <a:spLocks noGrp="1"/>
           </p:cNvSpPr>
@@ -504,7 +464,7 @@
           <a:bodyPr/>
           <a:lstStyle/>
           <a:p>
-            <a:fld id="{DA65D73A-5DE4-4A94-BC71-85DD092D98A6}" type="slidenum">
+            <a:fld id="{9A9DCDA1-3A1F-44B4-B37E-6DCF223B9C52}" type="slidenum">
               <a:rPr lang="zh-TW" altLang="en-US" smtClean="0"/>
               <a:t>‹#›</a:t>
             </a:fld>
@@ -515,7 +475,7 @@
     </p:spTree>
     <p:extLst>
       <p:ext uri="{BB962C8B-B14F-4D97-AF65-F5344CB8AC3E}">
-        <p14:creationId xmlns:p14="http://schemas.microsoft.com/office/powerpoint/2010/main" val="701865466"/>
+        <p14:creationId xmlns:p14="http://schemas.microsoft.com/office/powerpoint/2010/main" val="2167522956"/>
       </p:ext>
     </p:extLst>
   </p:cSld>
@@ -544,13 +504,7 @@
       </p:grpSpPr>
       <p:sp>
         <p:nvSpPr>
-          <p:cNvPr id="2" name="直排標題 1">
-            <a:extLst>
-              <a:ext uri="{FF2B5EF4-FFF2-40B4-BE49-F238E27FC236}">
-                <a16:creationId xmlns:a16="http://schemas.microsoft.com/office/drawing/2014/main" id="{EB6113C7-BF6D-4E2E-9A79-A75CF21250CA}"/>
-              </a:ext>
-            </a:extLst>
-          </p:cNvPr>
+          <p:cNvPr id="2" name="直排標題 1"/>
           <p:cNvSpPr>
             <a:spLocks noGrp="1"/>
           </p:cNvSpPr>
@@ -569,21 +523,16 @@
           <a:lstStyle/>
           <a:p>
             <a:r>
-              <a:rPr lang="zh-TW" altLang="en-US"/>
+              <a:rPr lang="zh-TW" altLang="en-US" smtClean="0"/>
               <a:t>按一下以編輯母片標題樣式</a:t>
             </a:r>
-          </a:p>
-        </p:txBody>
-      </p:sp>
-      <p:sp>
-        <p:nvSpPr>
-          <p:cNvPr id="3" name="直排文字版面配置區 2">
-            <a:extLst>
-              <a:ext uri="{FF2B5EF4-FFF2-40B4-BE49-F238E27FC236}">
-                <a16:creationId xmlns:a16="http://schemas.microsoft.com/office/drawing/2014/main" id="{28F11493-F85E-460E-A951-BFCAA32E28E5}"/>
-              </a:ext>
-            </a:extLst>
-          </p:cNvPr>
+            <a:endParaRPr lang="zh-TW" altLang="en-US"/>
+          </a:p>
+        </p:txBody>
+      </p:sp>
+      <p:sp>
+        <p:nvSpPr>
+          <p:cNvPr id="3" name="直排文字版面配置區 2"/>
           <p:cNvSpPr>
             <a:spLocks noGrp="1"/>
           </p:cNvSpPr>
@@ -603,49 +552,44 @@
           <a:p>
             <a:pPr lvl="0"/>
             <a:r>
-              <a:rPr lang="zh-TW" altLang="en-US"/>
-              <a:t>按一下以編輯母片文字樣式</a:t>
+              <a:rPr lang="zh-TW" altLang="en-US" smtClean="0"/>
+              <a:t>編輯母片文字樣式</a:t>
             </a:r>
           </a:p>
           <a:p>
             <a:pPr lvl="1"/>
             <a:r>
-              <a:rPr lang="zh-TW" altLang="en-US"/>
+              <a:rPr lang="zh-TW" altLang="en-US" smtClean="0"/>
               <a:t>第二層</a:t>
             </a:r>
           </a:p>
           <a:p>
             <a:pPr lvl="2"/>
             <a:r>
-              <a:rPr lang="zh-TW" altLang="en-US"/>
+              <a:rPr lang="zh-TW" altLang="en-US" smtClean="0"/>
               <a:t>第三層</a:t>
             </a:r>
           </a:p>
           <a:p>
             <a:pPr lvl="3"/>
             <a:r>
-              <a:rPr lang="zh-TW" altLang="en-US"/>
+              <a:rPr lang="zh-TW" altLang="en-US" smtClean="0"/>
               <a:t>第四層</a:t>
             </a:r>
           </a:p>
           <a:p>
             <a:pPr lvl="4"/>
             <a:r>
-              <a:rPr lang="zh-TW" altLang="en-US"/>
+              <a:rPr lang="zh-TW" altLang="en-US" smtClean="0"/>
               <a:t>第五層</a:t>
             </a:r>
-          </a:p>
-        </p:txBody>
-      </p:sp>
-      <p:sp>
-        <p:nvSpPr>
-          <p:cNvPr id="4" name="日期版面配置區 3">
-            <a:extLst>
-              <a:ext uri="{FF2B5EF4-FFF2-40B4-BE49-F238E27FC236}">
-                <a16:creationId xmlns:a16="http://schemas.microsoft.com/office/drawing/2014/main" id="{A134ADF1-14BA-41EC-999A-226E0A62E8D1}"/>
-              </a:ext>
-            </a:extLst>
-          </p:cNvPr>
+            <a:endParaRPr lang="zh-TW" altLang="en-US"/>
+          </a:p>
+        </p:txBody>
+      </p:sp>
+      <p:sp>
+        <p:nvSpPr>
+          <p:cNvPr id="4" name="日期版面配置區 3"/>
           <p:cNvSpPr>
             <a:spLocks noGrp="1"/>
           </p:cNvSpPr>
@@ -658,9 +602,9 @@
           <a:bodyPr/>
           <a:lstStyle/>
           <a:p>
-            <a:fld id="{02BD3EAE-97EC-4489-A269-25A39711027D}" type="datetimeFigureOut">
-              <a:rPr lang="zh-TW" altLang="en-US" smtClean="0"/>
-              <a:t>2020/3/30</a:t>
+            <a:fld id="{44B41643-F996-44B9-B2A8-0CF003993389}" type="datetimeFigureOut">
+              <a:rPr lang="zh-TW" altLang="en-US" smtClean="0"/>
+              <a:t>2020/5/17</a:t>
             </a:fld>
             <a:endParaRPr lang="zh-TW" altLang="en-US"/>
           </a:p>
@@ -668,13 +612,7 @@
       </p:sp>
       <p:sp>
         <p:nvSpPr>
-          <p:cNvPr id="5" name="頁尾版面配置區 4">
-            <a:extLst>
-              <a:ext uri="{FF2B5EF4-FFF2-40B4-BE49-F238E27FC236}">
-                <a16:creationId xmlns:a16="http://schemas.microsoft.com/office/drawing/2014/main" id="{06AB44DC-461C-4AB2-A866-098632C5563E}"/>
-              </a:ext>
-            </a:extLst>
-          </p:cNvPr>
+          <p:cNvPr id="5" name="頁尾版面配置區 4"/>
           <p:cNvSpPr>
             <a:spLocks noGrp="1"/>
           </p:cNvSpPr>
@@ -693,13 +631,7 @@
       </p:sp>
       <p:sp>
         <p:nvSpPr>
-          <p:cNvPr id="6" name="投影片編號版面配置區 5">
-            <a:extLst>
-              <a:ext uri="{FF2B5EF4-FFF2-40B4-BE49-F238E27FC236}">
-                <a16:creationId xmlns:a16="http://schemas.microsoft.com/office/drawing/2014/main" id="{D723A04B-C360-40D1-BDB2-DA4EB5F1CA97}"/>
-              </a:ext>
-            </a:extLst>
-          </p:cNvPr>
+          <p:cNvPr id="6" name="投影片編號版面配置區 5"/>
           <p:cNvSpPr>
             <a:spLocks noGrp="1"/>
           </p:cNvSpPr>
@@ -712,7 +644,7 @@
           <a:bodyPr/>
           <a:lstStyle/>
           <a:p>
-            <a:fld id="{DA65D73A-5DE4-4A94-BC71-85DD092D98A6}" type="slidenum">
+            <a:fld id="{9A9DCDA1-3A1F-44B4-B37E-6DCF223B9C52}" type="slidenum">
               <a:rPr lang="zh-TW" altLang="en-US" smtClean="0"/>
               <a:t>‹#›</a:t>
             </a:fld>
@@ -723,7 +655,7 @@
     </p:spTree>
     <p:extLst>
       <p:ext uri="{BB962C8B-B14F-4D97-AF65-F5344CB8AC3E}">
-        <p14:creationId xmlns:p14="http://schemas.microsoft.com/office/powerpoint/2010/main" val="1855292254"/>
+        <p14:creationId xmlns:p14="http://schemas.microsoft.com/office/powerpoint/2010/main" val="2390874762"/>
       </p:ext>
     </p:extLst>
   </p:cSld>
@@ -735,7 +667,7 @@
 
 <file path=ppt/slideLayouts/slideLayout2.xml><?xml version="1.0" encoding="utf-8"?>
 <p:sldLayout xmlns:a="http://schemas.openxmlformats.org/drawingml/2006/main" xmlns:r="http://schemas.openxmlformats.org/officeDocument/2006/relationships" xmlns:p="http://schemas.openxmlformats.org/presentationml/2006/main" type="obj" preserve="1">
-  <p:cSld name="標題及內容">
+  <p:cSld name="標題及物件">
     <p:spTree>
       <p:nvGrpSpPr>
         <p:cNvPr id="1" name=""/>
@@ -752,13 +684,7 @@
       </p:grpSpPr>
       <p:sp>
         <p:nvSpPr>
-          <p:cNvPr id="2" name="標題 1">
-            <a:extLst>
-              <a:ext uri="{FF2B5EF4-FFF2-40B4-BE49-F238E27FC236}">
-                <a16:creationId xmlns:a16="http://schemas.microsoft.com/office/drawing/2014/main" id="{D846B41B-2B33-402D-9AAA-484DCECF6483}"/>
-              </a:ext>
-            </a:extLst>
-          </p:cNvPr>
+          <p:cNvPr id="2" name="標題 1"/>
           <p:cNvSpPr>
             <a:spLocks noGrp="1"/>
           </p:cNvSpPr>
@@ -772,21 +698,16 @@
           <a:lstStyle/>
           <a:p>
             <a:r>
-              <a:rPr lang="zh-TW" altLang="en-US"/>
+              <a:rPr lang="zh-TW" altLang="en-US" smtClean="0"/>
               <a:t>按一下以編輯母片標題樣式</a:t>
             </a:r>
-          </a:p>
-        </p:txBody>
-      </p:sp>
-      <p:sp>
-        <p:nvSpPr>
-          <p:cNvPr id="3" name="內容版面配置區 2">
-            <a:extLst>
-              <a:ext uri="{FF2B5EF4-FFF2-40B4-BE49-F238E27FC236}">
-                <a16:creationId xmlns:a16="http://schemas.microsoft.com/office/drawing/2014/main" id="{79416503-59F5-4CA8-8BC5-DABE336D1886}"/>
-              </a:ext>
-            </a:extLst>
-          </p:cNvPr>
+            <a:endParaRPr lang="zh-TW" altLang="en-US"/>
+          </a:p>
+        </p:txBody>
+      </p:sp>
+      <p:sp>
+        <p:nvSpPr>
+          <p:cNvPr id="3" name="內容版面配置區 2"/>
           <p:cNvSpPr>
             <a:spLocks noGrp="1"/>
           </p:cNvSpPr>
@@ -801,49 +722,44 @@
           <a:p>
             <a:pPr lvl="0"/>
             <a:r>
-              <a:rPr lang="zh-TW" altLang="en-US"/>
-              <a:t>按一下以編輯母片文字樣式</a:t>
+              <a:rPr lang="zh-TW" altLang="en-US" smtClean="0"/>
+              <a:t>編輯母片文字樣式</a:t>
             </a:r>
           </a:p>
           <a:p>
             <a:pPr lvl="1"/>
             <a:r>
-              <a:rPr lang="zh-TW" altLang="en-US"/>
+              <a:rPr lang="zh-TW" altLang="en-US" smtClean="0"/>
               <a:t>第二層</a:t>
             </a:r>
           </a:p>
           <a:p>
             <a:pPr lvl="2"/>
             <a:r>
-              <a:rPr lang="zh-TW" altLang="en-US"/>
+              <a:rPr lang="zh-TW" altLang="en-US" smtClean="0"/>
               <a:t>第三層</a:t>
             </a:r>
           </a:p>
           <a:p>
             <a:pPr lvl="3"/>
             <a:r>
-              <a:rPr lang="zh-TW" altLang="en-US"/>
+              <a:rPr lang="zh-TW" altLang="en-US" smtClean="0"/>
               <a:t>第四層</a:t>
             </a:r>
           </a:p>
           <a:p>
             <a:pPr lvl="4"/>
             <a:r>
-              <a:rPr lang="zh-TW" altLang="en-US"/>
+              <a:rPr lang="zh-TW" altLang="en-US" smtClean="0"/>
               <a:t>第五層</a:t>
             </a:r>
-          </a:p>
-        </p:txBody>
-      </p:sp>
-      <p:sp>
-        <p:nvSpPr>
-          <p:cNvPr id="4" name="日期版面配置區 3">
-            <a:extLst>
-              <a:ext uri="{FF2B5EF4-FFF2-40B4-BE49-F238E27FC236}">
-                <a16:creationId xmlns:a16="http://schemas.microsoft.com/office/drawing/2014/main" id="{D494D081-A98B-4A4E-89CA-F209958C2DF7}"/>
-              </a:ext>
-            </a:extLst>
-          </p:cNvPr>
+            <a:endParaRPr lang="zh-TW" altLang="en-US"/>
+          </a:p>
+        </p:txBody>
+      </p:sp>
+      <p:sp>
+        <p:nvSpPr>
+          <p:cNvPr id="4" name="日期版面配置區 3"/>
           <p:cNvSpPr>
             <a:spLocks noGrp="1"/>
           </p:cNvSpPr>
@@ -856,9 +772,9 @@
           <a:bodyPr/>
           <a:lstStyle/>
           <a:p>
-            <a:fld id="{02BD3EAE-97EC-4489-A269-25A39711027D}" type="datetimeFigureOut">
-              <a:rPr lang="zh-TW" altLang="en-US" smtClean="0"/>
-              <a:t>2020/3/30</a:t>
+            <a:fld id="{44B41643-F996-44B9-B2A8-0CF003993389}" type="datetimeFigureOut">
+              <a:rPr lang="zh-TW" altLang="en-US" smtClean="0"/>
+              <a:t>2020/5/17</a:t>
             </a:fld>
             <a:endParaRPr lang="zh-TW" altLang="en-US"/>
           </a:p>
@@ -866,13 +782,7 @@
       </p:sp>
       <p:sp>
         <p:nvSpPr>
-          <p:cNvPr id="5" name="頁尾版面配置區 4">
-            <a:extLst>
-              <a:ext uri="{FF2B5EF4-FFF2-40B4-BE49-F238E27FC236}">
-                <a16:creationId xmlns:a16="http://schemas.microsoft.com/office/drawing/2014/main" id="{3E6D322B-63E0-4D00-993E-0E2748C16879}"/>
-              </a:ext>
-            </a:extLst>
-          </p:cNvPr>
+          <p:cNvPr id="5" name="頁尾版面配置區 4"/>
           <p:cNvSpPr>
             <a:spLocks noGrp="1"/>
           </p:cNvSpPr>
@@ -891,13 +801,7 @@
       </p:sp>
       <p:sp>
         <p:nvSpPr>
-          <p:cNvPr id="6" name="投影片編號版面配置區 5">
-            <a:extLst>
-              <a:ext uri="{FF2B5EF4-FFF2-40B4-BE49-F238E27FC236}">
-                <a16:creationId xmlns:a16="http://schemas.microsoft.com/office/drawing/2014/main" id="{FE96DAEC-0181-4044-BEF6-AD419C1ED4E8}"/>
-              </a:ext>
-            </a:extLst>
-          </p:cNvPr>
+          <p:cNvPr id="6" name="投影片編號版面配置區 5"/>
           <p:cNvSpPr>
             <a:spLocks noGrp="1"/>
           </p:cNvSpPr>
@@ -910,7 +814,7 @@
           <a:bodyPr/>
           <a:lstStyle/>
           <a:p>
-            <a:fld id="{DA65D73A-5DE4-4A94-BC71-85DD092D98A6}" type="slidenum">
+            <a:fld id="{9A9DCDA1-3A1F-44B4-B37E-6DCF223B9C52}" type="slidenum">
               <a:rPr lang="zh-TW" altLang="en-US" smtClean="0"/>
               <a:t>‹#›</a:t>
             </a:fld>
@@ -921,7 +825,7 @@
     </p:spTree>
     <p:extLst>
       <p:ext uri="{BB962C8B-B14F-4D97-AF65-F5344CB8AC3E}">
-        <p14:creationId xmlns:p14="http://schemas.microsoft.com/office/powerpoint/2010/main" val="3543479906"/>
+        <p14:creationId xmlns:p14="http://schemas.microsoft.com/office/powerpoint/2010/main" val="2813217957"/>
       </p:ext>
     </p:extLst>
   </p:cSld>
@@ -950,13 +854,7 @@
       </p:grpSpPr>
       <p:sp>
         <p:nvSpPr>
-          <p:cNvPr id="2" name="標題 1">
-            <a:extLst>
-              <a:ext uri="{FF2B5EF4-FFF2-40B4-BE49-F238E27FC236}">
-                <a16:creationId xmlns:a16="http://schemas.microsoft.com/office/drawing/2014/main" id="{D4A76169-9524-4A4A-A0EB-DDF72CEF9959}"/>
-              </a:ext>
-            </a:extLst>
-          </p:cNvPr>
+          <p:cNvPr id="2" name="標題 1"/>
           <p:cNvSpPr>
             <a:spLocks noGrp="1"/>
           </p:cNvSpPr>
@@ -979,21 +877,16 @@
           </a:lstStyle>
           <a:p>
             <a:r>
-              <a:rPr lang="zh-TW" altLang="en-US"/>
+              <a:rPr lang="zh-TW" altLang="en-US" smtClean="0"/>
               <a:t>按一下以編輯母片標題樣式</a:t>
             </a:r>
-          </a:p>
-        </p:txBody>
-      </p:sp>
-      <p:sp>
-        <p:nvSpPr>
-          <p:cNvPr id="3" name="文字版面配置區 2">
-            <a:extLst>
-              <a:ext uri="{FF2B5EF4-FFF2-40B4-BE49-F238E27FC236}">
-                <a16:creationId xmlns:a16="http://schemas.microsoft.com/office/drawing/2014/main" id="{AC68DD95-80F7-4166-875E-29A71D16B6DA}"/>
-              </a:ext>
-            </a:extLst>
-          </p:cNvPr>
+            <a:endParaRPr lang="zh-TW" altLang="en-US"/>
+          </a:p>
+        </p:txBody>
+      </p:sp>
+      <p:sp>
+        <p:nvSpPr>
+          <p:cNvPr id="3" name="文字版面配置區 2"/>
           <p:cNvSpPr>
             <a:spLocks noGrp="1"/>
           </p:cNvSpPr>
@@ -1104,21 +997,15 @@
           <a:p>
             <a:pPr lvl="0"/>
             <a:r>
-              <a:rPr lang="zh-TW" altLang="en-US"/>
-              <a:t>按一下以編輯母片文字樣式</a:t>
-            </a:r>
-          </a:p>
-        </p:txBody>
-      </p:sp>
-      <p:sp>
-        <p:nvSpPr>
-          <p:cNvPr id="4" name="日期版面配置區 3">
-            <a:extLst>
-              <a:ext uri="{FF2B5EF4-FFF2-40B4-BE49-F238E27FC236}">
-                <a16:creationId xmlns:a16="http://schemas.microsoft.com/office/drawing/2014/main" id="{C82CDC5E-6512-41C9-9F5A-97ED1286EF96}"/>
-              </a:ext>
-            </a:extLst>
-          </p:cNvPr>
+              <a:rPr lang="zh-TW" altLang="en-US" smtClean="0"/>
+              <a:t>編輯母片文字樣式</a:t>
+            </a:r>
+          </a:p>
+        </p:txBody>
+      </p:sp>
+      <p:sp>
+        <p:nvSpPr>
+          <p:cNvPr id="4" name="日期版面配置區 3"/>
           <p:cNvSpPr>
             <a:spLocks noGrp="1"/>
           </p:cNvSpPr>
@@ -1131,9 +1018,9 @@
           <a:bodyPr/>
           <a:lstStyle/>
           <a:p>
-            <a:fld id="{02BD3EAE-97EC-4489-A269-25A39711027D}" type="datetimeFigureOut">
-              <a:rPr lang="zh-TW" altLang="en-US" smtClean="0"/>
-              <a:t>2020/3/30</a:t>
+            <a:fld id="{44B41643-F996-44B9-B2A8-0CF003993389}" type="datetimeFigureOut">
+              <a:rPr lang="zh-TW" altLang="en-US" smtClean="0"/>
+              <a:t>2020/5/17</a:t>
             </a:fld>
             <a:endParaRPr lang="zh-TW" altLang="en-US"/>
           </a:p>
@@ -1141,13 +1028,7 @@
       </p:sp>
       <p:sp>
         <p:nvSpPr>
-          <p:cNvPr id="5" name="頁尾版面配置區 4">
-            <a:extLst>
-              <a:ext uri="{FF2B5EF4-FFF2-40B4-BE49-F238E27FC236}">
-                <a16:creationId xmlns:a16="http://schemas.microsoft.com/office/drawing/2014/main" id="{2B0371B5-F04A-4DF2-9799-919CDA599F6C}"/>
-              </a:ext>
-            </a:extLst>
-          </p:cNvPr>
+          <p:cNvPr id="5" name="頁尾版面配置區 4"/>
           <p:cNvSpPr>
             <a:spLocks noGrp="1"/>
           </p:cNvSpPr>
@@ -1166,13 +1047,7 @@
       </p:sp>
       <p:sp>
         <p:nvSpPr>
-          <p:cNvPr id="6" name="投影片編號版面配置區 5">
-            <a:extLst>
-              <a:ext uri="{FF2B5EF4-FFF2-40B4-BE49-F238E27FC236}">
-                <a16:creationId xmlns:a16="http://schemas.microsoft.com/office/drawing/2014/main" id="{FD18FA28-645E-4C39-BADA-37B3AA780402}"/>
-              </a:ext>
-            </a:extLst>
-          </p:cNvPr>
+          <p:cNvPr id="6" name="投影片編號版面配置區 5"/>
           <p:cNvSpPr>
             <a:spLocks noGrp="1"/>
           </p:cNvSpPr>
@@ -1185,7 +1060,7 @@
           <a:bodyPr/>
           <a:lstStyle/>
           <a:p>
-            <a:fld id="{DA65D73A-5DE4-4A94-BC71-85DD092D98A6}" type="slidenum">
+            <a:fld id="{9A9DCDA1-3A1F-44B4-B37E-6DCF223B9C52}" type="slidenum">
               <a:rPr lang="zh-TW" altLang="en-US" smtClean="0"/>
               <a:t>‹#›</a:t>
             </a:fld>
@@ -1196,7 +1071,7 @@
     </p:spTree>
     <p:extLst>
       <p:ext uri="{BB962C8B-B14F-4D97-AF65-F5344CB8AC3E}">
-        <p14:creationId xmlns:p14="http://schemas.microsoft.com/office/powerpoint/2010/main" val="877557716"/>
+        <p14:creationId xmlns:p14="http://schemas.microsoft.com/office/powerpoint/2010/main" val="1710711206"/>
       </p:ext>
     </p:extLst>
   </p:cSld>
@@ -1208,7 +1083,7 @@
 
 <file path=ppt/slideLayouts/slideLayout4.xml><?xml version="1.0" encoding="utf-8"?>
 <p:sldLayout xmlns:a="http://schemas.openxmlformats.org/drawingml/2006/main" xmlns:r="http://schemas.openxmlformats.org/officeDocument/2006/relationships" xmlns:p="http://schemas.openxmlformats.org/presentationml/2006/main" type="twoObj" preserve="1">
-  <p:cSld name="兩個內容">
+  <p:cSld name="兩項物件">
     <p:spTree>
       <p:nvGrpSpPr>
         <p:cNvPr id="1" name=""/>
@@ -1225,13 +1100,7 @@
       </p:grpSpPr>
       <p:sp>
         <p:nvSpPr>
-          <p:cNvPr id="2" name="標題 1">
-            <a:extLst>
-              <a:ext uri="{FF2B5EF4-FFF2-40B4-BE49-F238E27FC236}">
-                <a16:creationId xmlns:a16="http://schemas.microsoft.com/office/drawing/2014/main" id="{0F974418-7624-43BC-8238-D611C1558445}"/>
-              </a:ext>
-            </a:extLst>
-          </p:cNvPr>
+          <p:cNvPr id="2" name="標題 1"/>
           <p:cNvSpPr>
             <a:spLocks noGrp="1"/>
           </p:cNvSpPr>
@@ -1245,21 +1114,16 @@
           <a:lstStyle/>
           <a:p>
             <a:r>
-              <a:rPr lang="zh-TW" altLang="en-US"/>
+              <a:rPr lang="zh-TW" altLang="en-US" smtClean="0"/>
               <a:t>按一下以編輯母片標題樣式</a:t>
             </a:r>
-          </a:p>
-        </p:txBody>
-      </p:sp>
-      <p:sp>
-        <p:nvSpPr>
-          <p:cNvPr id="3" name="內容版面配置區 2">
-            <a:extLst>
-              <a:ext uri="{FF2B5EF4-FFF2-40B4-BE49-F238E27FC236}">
-                <a16:creationId xmlns:a16="http://schemas.microsoft.com/office/drawing/2014/main" id="{FC34ED3F-46FA-486C-B14A-3E795BA87026}"/>
-              </a:ext>
-            </a:extLst>
-          </p:cNvPr>
+            <a:endParaRPr lang="zh-TW" altLang="en-US"/>
+          </a:p>
+        </p:txBody>
+      </p:sp>
+      <p:sp>
+        <p:nvSpPr>
+          <p:cNvPr id="3" name="內容版面配置區 2"/>
           <p:cNvSpPr>
             <a:spLocks noGrp="1"/>
           </p:cNvSpPr>
@@ -1279,49 +1143,44 @@
           <a:p>
             <a:pPr lvl="0"/>
             <a:r>
-              <a:rPr lang="zh-TW" altLang="en-US"/>
-              <a:t>按一下以編輯母片文字樣式</a:t>
+              <a:rPr lang="zh-TW" altLang="en-US" smtClean="0"/>
+              <a:t>編輯母片文字樣式</a:t>
             </a:r>
           </a:p>
           <a:p>
             <a:pPr lvl="1"/>
             <a:r>
-              <a:rPr lang="zh-TW" altLang="en-US"/>
+              <a:rPr lang="zh-TW" altLang="en-US" smtClean="0"/>
               <a:t>第二層</a:t>
             </a:r>
           </a:p>
           <a:p>
             <a:pPr lvl="2"/>
             <a:r>
-              <a:rPr lang="zh-TW" altLang="en-US"/>
+              <a:rPr lang="zh-TW" altLang="en-US" smtClean="0"/>
               <a:t>第三層</a:t>
             </a:r>
           </a:p>
           <a:p>
             <a:pPr lvl="3"/>
             <a:r>
-              <a:rPr lang="zh-TW" altLang="en-US"/>
+              <a:rPr lang="zh-TW" altLang="en-US" smtClean="0"/>
               <a:t>第四層</a:t>
             </a:r>
           </a:p>
           <a:p>
             <a:pPr lvl="4"/>
             <a:r>
-              <a:rPr lang="zh-TW" altLang="en-US"/>
+              <a:rPr lang="zh-TW" altLang="en-US" smtClean="0"/>
               <a:t>第五層</a:t>
             </a:r>
-          </a:p>
-        </p:txBody>
-      </p:sp>
-      <p:sp>
-        <p:nvSpPr>
-          <p:cNvPr id="4" name="內容版面配置區 3">
-            <a:extLst>
-              <a:ext uri="{FF2B5EF4-FFF2-40B4-BE49-F238E27FC236}">
-                <a16:creationId xmlns:a16="http://schemas.microsoft.com/office/drawing/2014/main" id="{9D75F94A-DE1E-4B50-A3E7-1158658F2B6E}"/>
-              </a:ext>
-            </a:extLst>
-          </p:cNvPr>
+            <a:endParaRPr lang="zh-TW" altLang="en-US"/>
+          </a:p>
+        </p:txBody>
+      </p:sp>
+      <p:sp>
+        <p:nvSpPr>
+          <p:cNvPr id="4" name="內容版面配置區 3"/>
           <p:cNvSpPr>
             <a:spLocks noGrp="1"/>
           </p:cNvSpPr>
@@ -1341,49 +1200,44 @@
           <a:p>
             <a:pPr lvl="0"/>
             <a:r>
-              <a:rPr lang="zh-TW" altLang="en-US"/>
-              <a:t>按一下以編輯母片文字樣式</a:t>
+              <a:rPr lang="zh-TW" altLang="en-US" smtClean="0"/>
+              <a:t>編輯母片文字樣式</a:t>
             </a:r>
           </a:p>
           <a:p>
             <a:pPr lvl="1"/>
             <a:r>
-              <a:rPr lang="zh-TW" altLang="en-US"/>
+              <a:rPr lang="zh-TW" altLang="en-US" smtClean="0"/>
               <a:t>第二層</a:t>
             </a:r>
           </a:p>
           <a:p>
             <a:pPr lvl="2"/>
             <a:r>
-              <a:rPr lang="zh-TW" altLang="en-US"/>
+              <a:rPr lang="zh-TW" altLang="en-US" smtClean="0"/>
               <a:t>第三層</a:t>
             </a:r>
           </a:p>
           <a:p>
             <a:pPr lvl="3"/>
             <a:r>
-              <a:rPr lang="zh-TW" altLang="en-US"/>
+              <a:rPr lang="zh-TW" altLang="en-US" smtClean="0"/>
               <a:t>第四層</a:t>
             </a:r>
           </a:p>
           <a:p>
             <a:pPr lvl="4"/>
             <a:r>
-              <a:rPr lang="zh-TW" altLang="en-US"/>
+              <a:rPr lang="zh-TW" altLang="en-US" smtClean="0"/>
               <a:t>第五層</a:t>
             </a:r>
-          </a:p>
-        </p:txBody>
-      </p:sp>
-      <p:sp>
-        <p:nvSpPr>
-          <p:cNvPr id="5" name="日期版面配置區 4">
-            <a:extLst>
-              <a:ext uri="{FF2B5EF4-FFF2-40B4-BE49-F238E27FC236}">
-                <a16:creationId xmlns:a16="http://schemas.microsoft.com/office/drawing/2014/main" id="{3ED11869-F308-4676-8B63-536027820C93}"/>
-              </a:ext>
-            </a:extLst>
-          </p:cNvPr>
+            <a:endParaRPr lang="zh-TW" altLang="en-US"/>
+          </a:p>
+        </p:txBody>
+      </p:sp>
+      <p:sp>
+        <p:nvSpPr>
+          <p:cNvPr id="5" name="日期版面配置區 4"/>
           <p:cNvSpPr>
             <a:spLocks noGrp="1"/>
           </p:cNvSpPr>
@@ -1396,9 +1250,9 @@
           <a:bodyPr/>
           <a:lstStyle/>
           <a:p>
-            <a:fld id="{02BD3EAE-97EC-4489-A269-25A39711027D}" type="datetimeFigureOut">
-              <a:rPr lang="zh-TW" altLang="en-US" smtClean="0"/>
-              <a:t>2020/3/30</a:t>
+            <a:fld id="{44B41643-F996-44B9-B2A8-0CF003993389}" type="datetimeFigureOut">
+              <a:rPr lang="zh-TW" altLang="en-US" smtClean="0"/>
+              <a:t>2020/5/17</a:t>
             </a:fld>
             <a:endParaRPr lang="zh-TW" altLang="en-US"/>
           </a:p>
@@ -1406,13 +1260,7 @@
       </p:sp>
       <p:sp>
         <p:nvSpPr>
-          <p:cNvPr id="6" name="頁尾版面配置區 5">
-            <a:extLst>
-              <a:ext uri="{FF2B5EF4-FFF2-40B4-BE49-F238E27FC236}">
-                <a16:creationId xmlns:a16="http://schemas.microsoft.com/office/drawing/2014/main" id="{AA40D781-7055-4665-BFAF-A67A1D3EBF69}"/>
-              </a:ext>
-            </a:extLst>
-          </p:cNvPr>
+          <p:cNvPr id="6" name="頁尾版面配置區 5"/>
           <p:cNvSpPr>
             <a:spLocks noGrp="1"/>
           </p:cNvSpPr>
@@ -1431,13 +1279,7 @@
       </p:sp>
       <p:sp>
         <p:nvSpPr>
-          <p:cNvPr id="7" name="投影片編號版面配置區 6">
-            <a:extLst>
-              <a:ext uri="{FF2B5EF4-FFF2-40B4-BE49-F238E27FC236}">
-                <a16:creationId xmlns:a16="http://schemas.microsoft.com/office/drawing/2014/main" id="{802B6C59-785A-408D-9B1B-821C2B0D0FED}"/>
-              </a:ext>
-            </a:extLst>
-          </p:cNvPr>
+          <p:cNvPr id="7" name="投影片編號版面配置區 6"/>
           <p:cNvSpPr>
             <a:spLocks noGrp="1"/>
           </p:cNvSpPr>
@@ -1450,7 +1292,7 @@
           <a:bodyPr/>
           <a:lstStyle/>
           <a:p>
-            <a:fld id="{DA65D73A-5DE4-4A94-BC71-85DD092D98A6}" type="slidenum">
+            <a:fld id="{9A9DCDA1-3A1F-44B4-B37E-6DCF223B9C52}" type="slidenum">
               <a:rPr lang="zh-TW" altLang="en-US" smtClean="0"/>
               <a:t>‹#›</a:t>
             </a:fld>
@@ -1461,7 +1303,7 @@
     </p:spTree>
     <p:extLst>
       <p:ext uri="{BB962C8B-B14F-4D97-AF65-F5344CB8AC3E}">
-        <p14:creationId xmlns:p14="http://schemas.microsoft.com/office/powerpoint/2010/main" val="248068224"/>
+        <p14:creationId xmlns:p14="http://schemas.microsoft.com/office/powerpoint/2010/main" val="4163638441"/>
       </p:ext>
     </p:extLst>
   </p:cSld>
@@ -1473,7 +1315,7 @@
 
 <file path=ppt/slideLayouts/slideLayout5.xml><?xml version="1.0" encoding="utf-8"?>
 <p:sldLayout xmlns:a="http://schemas.openxmlformats.org/drawingml/2006/main" xmlns:r="http://schemas.openxmlformats.org/officeDocument/2006/relationships" xmlns:p="http://schemas.openxmlformats.org/presentationml/2006/main" type="twoTxTwoObj" preserve="1">
-  <p:cSld name="比較">
+  <p:cSld name="比對">
     <p:spTree>
       <p:nvGrpSpPr>
         <p:cNvPr id="1" name=""/>
@@ -1490,13 +1332,7 @@
       </p:grpSpPr>
       <p:sp>
         <p:nvSpPr>
-          <p:cNvPr id="2" name="標題 1">
-            <a:extLst>
-              <a:ext uri="{FF2B5EF4-FFF2-40B4-BE49-F238E27FC236}">
-                <a16:creationId xmlns:a16="http://schemas.microsoft.com/office/drawing/2014/main" id="{A9D4F32E-5138-45D4-A2A4-0E140A11715A}"/>
-              </a:ext>
-            </a:extLst>
-          </p:cNvPr>
+          <p:cNvPr id="2" name="標題 1"/>
           <p:cNvSpPr>
             <a:spLocks noGrp="1"/>
           </p:cNvSpPr>
@@ -1515,21 +1351,16 @@
           <a:lstStyle/>
           <a:p>
             <a:r>
-              <a:rPr lang="zh-TW" altLang="en-US"/>
+              <a:rPr lang="zh-TW" altLang="en-US" smtClean="0"/>
               <a:t>按一下以編輯母片標題樣式</a:t>
             </a:r>
-          </a:p>
-        </p:txBody>
-      </p:sp>
-      <p:sp>
-        <p:nvSpPr>
-          <p:cNvPr id="3" name="文字版面配置區 2">
-            <a:extLst>
-              <a:ext uri="{FF2B5EF4-FFF2-40B4-BE49-F238E27FC236}">
-                <a16:creationId xmlns:a16="http://schemas.microsoft.com/office/drawing/2014/main" id="{F9657E1C-5F57-4D5F-897C-611EAA4D3434}"/>
-              </a:ext>
-            </a:extLst>
-          </p:cNvPr>
+            <a:endParaRPr lang="zh-TW" altLang="en-US"/>
+          </a:p>
+        </p:txBody>
+      </p:sp>
+      <p:sp>
+        <p:nvSpPr>
+          <p:cNvPr id="3" name="文字版面配置區 2"/>
           <p:cNvSpPr>
             <a:spLocks noGrp="1"/>
           </p:cNvSpPr>
@@ -1586,21 +1417,15 @@
           <a:p>
             <a:pPr lvl="0"/>
             <a:r>
-              <a:rPr lang="zh-TW" altLang="en-US"/>
-              <a:t>按一下以編輯母片文字樣式</a:t>
-            </a:r>
-          </a:p>
-        </p:txBody>
-      </p:sp>
-      <p:sp>
-        <p:nvSpPr>
-          <p:cNvPr id="4" name="內容版面配置區 3">
-            <a:extLst>
-              <a:ext uri="{FF2B5EF4-FFF2-40B4-BE49-F238E27FC236}">
-                <a16:creationId xmlns:a16="http://schemas.microsoft.com/office/drawing/2014/main" id="{A83BD9B1-DB61-43CE-AC12-6EF87DEA1982}"/>
-              </a:ext>
-            </a:extLst>
-          </p:cNvPr>
+              <a:rPr lang="zh-TW" altLang="en-US" smtClean="0"/>
+              <a:t>編輯母片文字樣式</a:t>
+            </a:r>
+          </a:p>
+        </p:txBody>
+      </p:sp>
+      <p:sp>
+        <p:nvSpPr>
+          <p:cNvPr id="4" name="內容版面配置區 3"/>
           <p:cNvSpPr>
             <a:spLocks noGrp="1"/>
           </p:cNvSpPr>
@@ -1620,49 +1445,44 @@
           <a:p>
             <a:pPr lvl="0"/>
             <a:r>
-              <a:rPr lang="zh-TW" altLang="en-US"/>
-              <a:t>按一下以編輯母片文字樣式</a:t>
+              <a:rPr lang="zh-TW" altLang="en-US" smtClean="0"/>
+              <a:t>編輯母片文字樣式</a:t>
             </a:r>
           </a:p>
           <a:p>
             <a:pPr lvl="1"/>
             <a:r>
-              <a:rPr lang="zh-TW" altLang="en-US"/>
+              <a:rPr lang="zh-TW" altLang="en-US" smtClean="0"/>
               <a:t>第二層</a:t>
             </a:r>
           </a:p>
           <a:p>
             <a:pPr lvl="2"/>
             <a:r>
-              <a:rPr lang="zh-TW" altLang="en-US"/>
+              <a:rPr lang="zh-TW" altLang="en-US" smtClean="0"/>
               <a:t>第三層</a:t>
             </a:r>
           </a:p>
           <a:p>
             <a:pPr lvl="3"/>
             <a:r>
-              <a:rPr lang="zh-TW" altLang="en-US"/>
+              <a:rPr lang="zh-TW" altLang="en-US" smtClean="0"/>
               <a:t>第四層</a:t>
             </a:r>
           </a:p>
           <a:p>
             <a:pPr lvl="4"/>
             <a:r>
-              <a:rPr lang="zh-TW" altLang="en-US"/>
+              <a:rPr lang="zh-TW" altLang="en-US" smtClean="0"/>
               <a:t>第五層</a:t>
             </a:r>
-          </a:p>
-        </p:txBody>
-      </p:sp>
-      <p:sp>
-        <p:nvSpPr>
-          <p:cNvPr id="5" name="文字版面配置區 4">
-            <a:extLst>
-              <a:ext uri="{FF2B5EF4-FFF2-40B4-BE49-F238E27FC236}">
-                <a16:creationId xmlns:a16="http://schemas.microsoft.com/office/drawing/2014/main" id="{D0E50AE1-964A-4571-92BC-7A6621566482}"/>
-              </a:ext>
-            </a:extLst>
-          </p:cNvPr>
+            <a:endParaRPr lang="zh-TW" altLang="en-US"/>
+          </a:p>
+        </p:txBody>
+      </p:sp>
+      <p:sp>
+        <p:nvSpPr>
+          <p:cNvPr id="5" name="文字版面配置區 4"/>
           <p:cNvSpPr>
             <a:spLocks noGrp="1"/>
           </p:cNvSpPr>
@@ -1719,21 +1539,15 @@
           <a:p>
             <a:pPr lvl="0"/>
             <a:r>
-              <a:rPr lang="zh-TW" altLang="en-US"/>
-              <a:t>按一下以編輯母片文字樣式</a:t>
-            </a:r>
-          </a:p>
-        </p:txBody>
-      </p:sp>
-      <p:sp>
-        <p:nvSpPr>
-          <p:cNvPr id="6" name="內容版面配置區 5">
-            <a:extLst>
-              <a:ext uri="{FF2B5EF4-FFF2-40B4-BE49-F238E27FC236}">
-                <a16:creationId xmlns:a16="http://schemas.microsoft.com/office/drawing/2014/main" id="{9BA5129E-F55B-4693-BF18-F76893FC63ED}"/>
-              </a:ext>
-            </a:extLst>
-          </p:cNvPr>
+              <a:rPr lang="zh-TW" altLang="en-US" smtClean="0"/>
+              <a:t>編輯母片文字樣式</a:t>
+            </a:r>
+          </a:p>
+        </p:txBody>
+      </p:sp>
+      <p:sp>
+        <p:nvSpPr>
+          <p:cNvPr id="6" name="內容版面配置區 5"/>
           <p:cNvSpPr>
             <a:spLocks noGrp="1"/>
           </p:cNvSpPr>
@@ -1753,49 +1567,44 @@
           <a:p>
             <a:pPr lvl="0"/>
             <a:r>
-              <a:rPr lang="zh-TW" altLang="en-US"/>
-              <a:t>按一下以編輯母片文字樣式</a:t>
+              <a:rPr lang="zh-TW" altLang="en-US" smtClean="0"/>
+              <a:t>編輯母片文字樣式</a:t>
             </a:r>
           </a:p>
           <a:p>
             <a:pPr lvl="1"/>
             <a:r>
-              <a:rPr lang="zh-TW" altLang="en-US"/>
+              <a:rPr lang="zh-TW" altLang="en-US" smtClean="0"/>
               <a:t>第二層</a:t>
             </a:r>
           </a:p>
           <a:p>
             <a:pPr lvl="2"/>
             <a:r>
-              <a:rPr lang="zh-TW" altLang="en-US"/>
+              <a:rPr lang="zh-TW" altLang="en-US" smtClean="0"/>
               <a:t>第三層</a:t>
             </a:r>
           </a:p>
           <a:p>
             <a:pPr lvl="3"/>
             <a:r>
-              <a:rPr lang="zh-TW" altLang="en-US"/>
+              <a:rPr lang="zh-TW" altLang="en-US" smtClean="0"/>
               <a:t>第四層</a:t>
             </a:r>
           </a:p>
           <a:p>
             <a:pPr lvl="4"/>
             <a:r>
-              <a:rPr lang="zh-TW" altLang="en-US"/>
+              <a:rPr lang="zh-TW" altLang="en-US" smtClean="0"/>
               <a:t>第五層</a:t>
             </a:r>
-          </a:p>
-        </p:txBody>
-      </p:sp>
-      <p:sp>
-        <p:nvSpPr>
-          <p:cNvPr id="7" name="日期版面配置區 6">
-            <a:extLst>
-              <a:ext uri="{FF2B5EF4-FFF2-40B4-BE49-F238E27FC236}">
-                <a16:creationId xmlns:a16="http://schemas.microsoft.com/office/drawing/2014/main" id="{BB05F84F-35C4-414F-B223-4EBC8F31C62B}"/>
-              </a:ext>
-            </a:extLst>
-          </p:cNvPr>
+            <a:endParaRPr lang="zh-TW" altLang="en-US"/>
+          </a:p>
+        </p:txBody>
+      </p:sp>
+      <p:sp>
+        <p:nvSpPr>
+          <p:cNvPr id="7" name="日期版面配置區 6"/>
           <p:cNvSpPr>
             <a:spLocks noGrp="1"/>
           </p:cNvSpPr>
@@ -1808,9 +1617,9 @@
           <a:bodyPr/>
           <a:lstStyle/>
           <a:p>
-            <a:fld id="{02BD3EAE-97EC-4489-A269-25A39711027D}" type="datetimeFigureOut">
-              <a:rPr lang="zh-TW" altLang="en-US" smtClean="0"/>
-              <a:t>2020/3/30</a:t>
+            <a:fld id="{44B41643-F996-44B9-B2A8-0CF003993389}" type="datetimeFigureOut">
+              <a:rPr lang="zh-TW" altLang="en-US" smtClean="0"/>
+              <a:t>2020/5/17</a:t>
             </a:fld>
             <a:endParaRPr lang="zh-TW" altLang="en-US"/>
           </a:p>
@@ -1818,13 +1627,7 @@
       </p:sp>
       <p:sp>
         <p:nvSpPr>
-          <p:cNvPr id="8" name="頁尾版面配置區 7">
-            <a:extLst>
-              <a:ext uri="{FF2B5EF4-FFF2-40B4-BE49-F238E27FC236}">
-                <a16:creationId xmlns:a16="http://schemas.microsoft.com/office/drawing/2014/main" id="{28520C87-5ABD-4751-AA2C-0AD6578729B5}"/>
-              </a:ext>
-            </a:extLst>
-          </p:cNvPr>
+          <p:cNvPr id="8" name="頁尾版面配置區 7"/>
           <p:cNvSpPr>
             <a:spLocks noGrp="1"/>
           </p:cNvSpPr>
@@ -1843,13 +1646,7 @@
       </p:sp>
       <p:sp>
         <p:nvSpPr>
-          <p:cNvPr id="9" name="投影片編號版面配置區 8">
-            <a:extLst>
-              <a:ext uri="{FF2B5EF4-FFF2-40B4-BE49-F238E27FC236}">
-                <a16:creationId xmlns:a16="http://schemas.microsoft.com/office/drawing/2014/main" id="{D0F624C4-D558-4495-8394-5EF82CFB8472}"/>
-              </a:ext>
-            </a:extLst>
-          </p:cNvPr>
+          <p:cNvPr id="9" name="投影片編號版面配置區 8"/>
           <p:cNvSpPr>
             <a:spLocks noGrp="1"/>
           </p:cNvSpPr>
@@ -1862,7 +1659,7 @@
           <a:bodyPr/>
           <a:lstStyle/>
           <a:p>
-            <a:fld id="{DA65D73A-5DE4-4A94-BC71-85DD092D98A6}" type="slidenum">
+            <a:fld id="{9A9DCDA1-3A1F-44B4-B37E-6DCF223B9C52}" type="slidenum">
               <a:rPr lang="zh-TW" altLang="en-US" smtClean="0"/>
               <a:t>‹#›</a:t>
             </a:fld>
@@ -1873,7 +1670,7 @@
     </p:spTree>
     <p:extLst>
       <p:ext uri="{BB962C8B-B14F-4D97-AF65-F5344CB8AC3E}">
-        <p14:creationId xmlns:p14="http://schemas.microsoft.com/office/powerpoint/2010/main" val="3130899365"/>
+        <p14:creationId xmlns:p14="http://schemas.microsoft.com/office/powerpoint/2010/main" val="3909587715"/>
       </p:ext>
     </p:extLst>
   </p:cSld>
@@ -1902,13 +1699,7 @@
       </p:grpSpPr>
       <p:sp>
         <p:nvSpPr>
-          <p:cNvPr id="2" name="標題 1">
-            <a:extLst>
-              <a:ext uri="{FF2B5EF4-FFF2-40B4-BE49-F238E27FC236}">
-                <a16:creationId xmlns:a16="http://schemas.microsoft.com/office/drawing/2014/main" id="{FE1ADBBA-1B79-4FBC-A7C5-E70CBA7F8EDB}"/>
-              </a:ext>
-            </a:extLst>
-          </p:cNvPr>
+          <p:cNvPr id="2" name="標題 1"/>
           <p:cNvSpPr>
             <a:spLocks noGrp="1"/>
           </p:cNvSpPr>
@@ -1922,21 +1713,16 @@
           <a:lstStyle/>
           <a:p>
             <a:r>
-              <a:rPr lang="zh-TW" altLang="en-US"/>
+              <a:rPr lang="zh-TW" altLang="en-US" smtClean="0"/>
               <a:t>按一下以編輯母片標題樣式</a:t>
             </a:r>
-          </a:p>
-        </p:txBody>
-      </p:sp>
-      <p:sp>
-        <p:nvSpPr>
-          <p:cNvPr id="3" name="日期版面配置區 2">
-            <a:extLst>
-              <a:ext uri="{FF2B5EF4-FFF2-40B4-BE49-F238E27FC236}">
-                <a16:creationId xmlns:a16="http://schemas.microsoft.com/office/drawing/2014/main" id="{37BB4EF2-3295-458D-BC37-FED22E59DD21}"/>
-              </a:ext>
-            </a:extLst>
-          </p:cNvPr>
+            <a:endParaRPr lang="zh-TW" altLang="en-US"/>
+          </a:p>
+        </p:txBody>
+      </p:sp>
+      <p:sp>
+        <p:nvSpPr>
+          <p:cNvPr id="3" name="日期版面配置區 2"/>
           <p:cNvSpPr>
             <a:spLocks noGrp="1"/>
           </p:cNvSpPr>
@@ -1949,9 +1735,9 @@
           <a:bodyPr/>
           <a:lstStyle/>
           <a:p>
-            <a:fld id="{02BD3EAE-97EC-4489-A269-25A39711027D}" type="datetimeFigureOut">
-              <a:rPr lang="zh-TW" altLang="en-US" smtClean="0"/>
-              <a:t>2020/3/30</a:t>
+            <a:fld id="{44B41643-F996-44B9-B2A8-0CF003993389}" type="datetimeFigureOut">
+              <a:rPr lang="zh-TW" altLang="en-US" smtClean="0"/>
+              <a:t>2020/5/17</a:t>
             </a:fld>
             <a:endParaRPr lang="zh-TW" altLang="en-US"/>
           </a:p>
@@ -1959,13 +1745,7 @@
       </p:sp>
       <p:sp>
         <p:nvSpPr>
-          <p:cNvPr id="4" name="頁尾版面配置區 3">
-            <a:extLst>
-              <a:ext uri="{FF2B5EF4-FFF2-40B4-BE49-F238E27FC236}">
-                <a16:creationId xmlns:a16="http://schemas.microsoft.com/office/drawing/2014/main" id="{3E9DA483-2C2F-45D6-B979-78C7856318C9}"/>
-              </a:ext>
-            </a:extLst>
-          </p:cNvPr>
+          <p:cNvPr id="4" name="頁尾版面配置區 3"/>
           <p:cNvSpPr>
             <a:spLocks noGrp="1"/>
           </p:cNvSpPr>
@@ -1984,13 +1764,7 @@
       </p:sp>
       <p:sp>
         <p:nvSpPr>
-          <p:cNvPr id="5" name="投影片編號版面配置區 4">
-            <a:extLst>
-              <a:ext uri="{FF2B5EF4-FFF2-40B4-BE49-F238E27FC236}">
-                <a16:creationId xmlns:a16="http://schemas.microsoft.com/office/drawing/2014/main" id="{8535A35F-4C7C-46F9-A73D-0E68E691926C}"/>
-              </a:ext>
-            </a:extLst>
-          </p:cNvPr>
+          <p:cNvPr id="5" name="投影片編號版面配置區 4"/>
           <p:cNvSpPr>
             <a:spLocks noGrp="1"/>
           </p:cNvSpPr>
@@ -2003,7 +1777,7 @@
           <a:bodyPr/>
           <a:lstStyle/>
           <a:p>
-            <a:fld id="{DA65D73A-5DE4-4A94-BC71-85DD092D98A6}" type="slidenum">
+            <a:fld id="{9A9DCDA1-3A1F-44B4-B37E-6DCF223B9C52}" type="slidenum">
               <a:rPr lang="zh-TW" altLang="en-US" smtClean="0"/>
               <a:t>‹#›</a:t>
             </a:fld>
@@ -2014,7 +1788,7 @@
     </p:spTree>
     <p:extLst>
       <p:ext uri="{BB962C8B-B14F-4D97-AF65-F5344CB8AC3E}">
-        <p14:creationId xmlns:p14="http://schemas.microsoft.com/office/powerpoint/2010/main" val="2696246007"/>
+        <p14:creationId xmlns:p14="http://schemas.microsoft.com/office/powerpoint/2010/main" val="2812516264"/>
       </p:ext>
     </p:extLst>
   </p:cSld>
@@ -2043,13 +1817,7 @@
       </p:grpSpPr>
       <p:sp>
         <p:nvSpPr>
-          <p:cNvPr id="2" name="日期版面配置區 1">
-            <a:extLst>
-              <a:ext uri="{FF2B5EF4-FFF2-40B4-BE49-F238E27FC236}">
-                <a16:creationId xmlns:a16="http://schemas.microsoft.com/office/drawing/2014/main" id="{578855AD-6DF8-418C-8E50-4AAFBF90217A}"/>
-              </a:ext>
-            </a:extLst>
-          </p:cNvPr>
+          <p:cNvPr id="2" name="日期版面配置區 1"/>
           <p:cNvSpPr>
             <a:spLocks noGrp="1"/>
           </p:cNvSpPr>
@@ -2062,9 +1830,9 @@
           <a:bodyPr/>
           <a:lstStyle/>
           <a:p>
-            <a:fld id="{02BD3EAE-97EC-4489-A269-25A39711027D}" type="datetimeFigureOut">
-              <a:rPr lang="zh-TW" altLang="en-US" smtClean="0"/>
-              <a:t>2020/3/30</a:t>
+            <a:fld id="{44B41643-F996-44B9-B2A8-0CF003993389}" type="datetimeFigureOut">
+              <a:rPr lang="zh-TW" altLang="en-US" smtClean="0"/>
+              <a:t>2020/5/17</a:t>
             </a:fld>
             <a:endParaRPr lang="zh-TW" altLang="en-US"/>
           </a:p>
@@ -2072,13 +1840,7 @@
       </p:sp>
       <p:sp>
         <p:nvSpPr>
-          <p:cNvPr id="3" name="頁尾版面配置區 2">
-            <a:extLst>
-              <a:ext uri="{FF2B5EF4-FFF2-40B4-BE49-F238E27FC236}">
-                <a16:creationId xmlns:a16="http://schemas.microsoft.com/office/drawing/2014/main" id="{E0F003B7-D54E-49FD-A563-875B79980DAC}"/>
-              </a:ext>
-            </a:extLst>
-          </p:cNvPr>
+          <p:cNvPr id="3" name="頁尾版面配置區 2"/>
           <p:cNvSpPr>
             <a:spLocks noGrp="1"/>
           </p:cNvSpPr>
@@ -2097,13 +1859,7 @@
       </p:sp>
       <p:sp>
         <p:nvSpPr>
-          <p:cNvPr id="4" name="投影片編號版面配置區 3">
-            <a:extLst>
-              <a:ext uri="{FF2B5EF4-FFF2-40B4-BE49-F238E27FC236}">
-                <a16:creationId xmlns:a16="http://schemas.microsoft.com/office/drawing/2014/main" id="{6FCB16D6-676B-42CA-B429-4C398AB2D6CB}"/>
-              </a:ext>
-            </a:extLst>
-          </p:cNvPr>
+          <p:cNvPr id="4" name="投影片編號版面配置區 3"/>
           <p:cNvSpPr>
             <a:spLocks noGrp="1"/>
           </p:cNvSpPr>
@@ -2116,7 +1872,7 @@
           <a:bodyPr/>
           <a:lstStyle/>
           <a:p>
-            <a:fld id="{DA65D73A-5DE4-4A94-BC71-85DD092D98A6}" type="slidenum">
+            <a:fld id="{9A9DCDA1-3A1F-44B4-B37E-6DCF223B9C52}" type="slidenum">
               <a:rPr lang="zh-TW" altLang="en-US" smtClean="0"/>
               <a:t>‹#›</a:t>
             </a:fld>
@@ -2127,7 +1883,7 @@
     </p:spTree>
     <p:extLst>
       <p:ext uri="{BB962C8B-B14F-4D97-AF65-F5344CB8AC3E}">
-        <p14:creationId xmlns:p14="http://schemas.microsoft.com/office/powerpoint/2010/main" val="3740769204"/>
+        <p14:creationId xmlns:p14="http://schemas.microsoft.com/office/powerpoint/2010/main" val="3842892099"/>
       </p:ext>
     </p:extLst>
   </p:cSld>
@@ -2139,7 +1895,7 @@
 
 <file path=ppt/slideLayouts/slideLayout8.xml><?xml version="1.0" encoding="utf-8"?>
 <p:sldLayout xmlns:a="http://schemas.openxmlformats.org/drawingml/2006/main" xmlns:r="http://schemas.openxmlformats.org/officeDocument/2006/relationships" xmlns:p="http://schemas.openxmlformats.org/presentationml/2006/main" type="objTx" preserve="1">
-  <p:cSld name="含輔助字幕的內容">
+  <p:cSld name="含標題的內容">
     <p:spTree>
       <p:nvGrpSpPr>
         <p:cNvPr id="1" name=""/>
@@ -2156,13 +1912,7 @@
       </p:grpSpPr>
       <p:sp>
         <p:nvSpPr>
-          <p:cNvPr id="2" name="標題 1">
-            <a:extLst>
-              <a:ext uri="{FF2B5EF4-FFF2-40B4-BE49-F238E27FC236}">
-                <a16:creationId xmlns:a16="http://schemas.microsoft.com/office/drawing/2014/main" id="{FE42A716-D661-49E0-8475-AC38FC16F012}"/>
-              </a:ext>
-            </a:extLst>
-          </p:cNvPr>
+          <p:cNvPr id="2" name="標題 1"/>
           <p:cNvSpPr>
             <a:spLocks noGrp="1"/>
           </p:cNvSpPr>
@@ -2185,21 +1935,16 @@
           </a:lstStyle>
           <a:p>
             <a:r>
-              <a:rPr lang="zh-TW" altLang="en-US"/>
+              <a:rPr lang="zh-TW" altLang="en-US" smtClean="0"/>
               <a:t>按一下以編輯母片標題樣式</a:t>
             </a:r>
-          </a:p>
-        </p:txBody>
-      </p:sp>
-      <p:sp>
-        <p:nvSpPr>
-          <p:cNvPr id="3" name="內容版面配置區 2">
-            <a:extLst>
-              <a:ext uri="{FF2B5EF4-FFF2-40B4-BE49-F238E27FC236}">
-                <a16:creationId xmlns:a16="http://schemas.microsoft.com/office/drawing/2014/main" id="{7C33DA38-4ABE-4DF3-AF34-D61BCB4D34A4}"/>
-              </a:ext>
-            </a:extLst>
-          </p:cNvPr>
+            <a:endParaRPr lang="zh-TW" altLang="en-US"/>
+          </a:p>
+        </p:txBody>
+      </p:sp>
+      <p:sp>
+        <p:nvSpPr>
+          <p:cNvPr id="3" name="內容版面配置區 2"/>
           <p:cNvSpPr>
             <a:spLocks noGrp="1"/>
           </p:cNvSpPr>
@@ -2247,49 +1992,44 @@
           <a:p>
             <a:pPr lvl="0"/>
             <a:r>
-              <a:rPr lang="zh-TW" altLang="en-US"/>
-              <a:t>按一下以編輯母片文字樣式</a:t>
+              <a:rPr lang="zh-TW" altLang="en-US" smtClean="0"/>
+              <a:t>編輯母片文字樣式</a:t>
             </a:r>
           </a:p>
           <a:p>
             <a:pPr lvl="1"/>
             <a:r>
-              <a:rPr lang="zh-TW" altLang="en-US"/>
+              <a:rPr lang="zh-TW" altLang="en-US" smtClean="0"/>
               <a:t>第二層</a:t>
             </a:r>
           </a:p>
           <a:p>
             <a:pPr lvl="2"/>
             <a:r>
-              <a:rPr lang="zh-TW" altLang="en-US"/>
+              <a:rPr lang="zh-TW" altLang="en-US" smtClean="0"/>
               <a:t>第三層</a:t>
             </a:r>
           </a:p>
           <a:p>
             <a:pPr lvl="3"/>
             <a:r>
-              <a:rPr lang="zh-TW" altLang="en-US"/>
+              <a:rPr lang="zh-TW" altLang="en-US" smtClean="0"/>
               <a:t>第四層</a:t>
             </a:r>
           </a:p>
           <a:p>
             <a:pPr lvl="4"/>
             <a:r>
-              <a:rPr lang="zh-TW" altLang="en-US"/>
+              <a:rPr lang="zh-TW" altLang="en-US" smtClean="0"/>
               <a:t>第五層</a:t>
             </a:r>
-          </a:p>
-        </p:txBody>
-      </p:sp>
-      <p:sp>
-        <p:nvSpPr>
-          <p:cNvPr id="4" name="文字版面配置區 3">
-            <a:extLst>
-              <a:ext uri="{FF2B5EF4-FFF2-40B4-BE49-F238E27FC236}">
-                <a16:creationId xmlns:a16="http://schemas.microsoft.com/office/drawing/2014/main" id="{889007CC-3048-4D23-95D0-C060513E8297}"/>
-              </a:ext>
-            </a:extLst>
-          </p:cNvPr>
+            <a:endParaRPr lang="zh-TW" altLang="en-US"/>
+          </a:p>
+        </p:txBody>
+      </p:sp>
+      <p:sp>
+        <p:nvSpPr>
+          <p:cNvPr id="4" name="文字版面配置區 3"/>
           <p:cNvSpPr>
             <a:spLocks noGrp="1"/>
           </p:cNvSpPr>
@@ -2346,21 +2086,15 @@
           <a:p>
             <a:pPr lvl="0"/>
             <a:r>
-              <a:rPr lang="zh-TW" altLang="en-US"/>
-              <a:t>按一下以編輯母片文字樣式</a:t>
-            </a:r>
-          </a:p>
-        </p:txBody>
-      </p:sp>
-      <p:sp>
-        <p:nvSpPr>
-          <p:cNvPr id="5" name="日期版面配置區 4">
-            <a:extLst>
-              <a:ext uri="{FF2B5EF4-FFF2-40B4-BE49-F238E27FC236}">
-                <a16:creationId xmlns:a16="http://schemas.microsoft.com/office/drawing/2014/main" id="{3E85D493-67BD-4497-B68A-B0635CF64602}"/>
-              </a:ext>
-            </a:extLst>
-          </p:cNvPr>
+              <a:rPr lang="zh-TW" altLang="en-US" smtClean="0"/>
+              <a:t>編輯母片文字樣式</a:t>
+            </a:r>
+          </a:p>
+        </p:txBody>
+      </p:sp>
+      <p:sp>
+        <p:nvSpPr>
+          <p:cNvPr id="5" name="日期版面配置區 4"/>
           <p:cNvSpPr>
             <a:spLocks noGrp="1"/>
           </p:cNvSpPr>
@@ -2373,9 +2107,9 @@
           <a:bodyPr/>
           <a:lstStyle/>
           <a:p>
-            <a:fld id="{02BD3EAE-97EC-4489-A269-25A39711027D}" type="datetimeFigureOut">
-              <a:rPr lang="zh-TW" altLang="en-US" smtClean="0"/>
-              <a:t>2020/3/30</a:t>
+            <a:fld id="{44B41643-F996-44B9-B2A8-0CF003993389}" type="datetimeFigureOut">
+              <a:rPr lang="zh-TW" altLang="en-US" smtClean="0"/>
+              <a:t>2020/5/17</a:t>
             </a:fld>
             <a:endParaRPr lang="zh-TW" altLang="en-US"/>
           </a:p>
@@ -2383,13 +2117,7 @@
       </p:sp>
       <p:sp>
         <p:nvSpPr>
-          <p:cNvPr id="6" name="頁尾版面配置區 5">
-            <a:extLst>
-              <a:ext uri="{FF2B5EF4-FFF2-40B4-BE49-F238E27FC236}">
-                <a16:creationId xmlns:a16="http://schemas.microsoft.com/office/drawing/2014/main" id="{07DB9450-CDD6-46BB-A03B-CE70E8895235}"/>
-              </a:ext>
-            </a:extLst>
-          </p:cNvPr>
+          <p:cNvPr id="6" name="頁尾版面配置區 5"/>
           <p:cNvSpPr>
             <a:spLocks noGrp="1"/>
           </p:cNvSpPr>
@@ -2408,13 +2136,7 @@
       </p:sp>
       <p:sp>
         <p:nvSpPr>
-          <p:cNvPr id="7" name="投影片編號版面配置區 6">
-            <a:extLst>
-              <a:ext uri="{FF2B5EF4-FFF2-40B4-BE49-F238E27FC236}">
-                <a16:creationId xmlns:a16="http://schemas.microsoft.com/office/drawing/2014/main" id="{817B01F1-A8B6-4697-AB65-EFBA04E71D3F}"/>
-              </a:ext>
-            </a:extLst>
-          </p:cNvPr>
+          <p:cNvPr id="7" name="投影片編號版面配置區 6"/>
           <p:cNvSpPr>
             <a:spLocks noGrp="1"/>
           </p:cNvSpPr>
@@ -2427,7 +2149,7 @@
           <a:bodyPr/>
           <a:lstStyle/>
           <a:p>
-            <a:fld id="{DA65D73A-5DE4-4A94-BC71-85DD092D98A6}" type="slidenum">
+            <a:fld id="{9A9DCDA1-3A1F-44B4-B37E-6DCF223B9C52}" type="slidenum">
               <a:rPr lang="zh-TW" altLang="en-US" smtClean="0"/>
               <a:t>‹#›</a:t>
             </a:fld>
@@ -2438,7 +2160,7 @@
     </p:spTree>
     <p:extLst>
       <p:ext uri="{BB962C8B-B14F-4D97-AF65-F5344CB8AC3E}">
-        <p14:creationId xmlns:p14="http://schemas.microsoft.com/office/powerpoint/2010/main" val="631139469"/>
+        <p14:creationId xmlns:p14="http://schemas.microsoft.com/office/powerpoint/2010/main" val="3316102891"/>
       </p:ext>
     </p:extLst>
   </p:cSld>
@@ -2450,7 +2172,7 @@
 
 <file path=ppt/slideLayouts/slideLayout9.xml><?xml version="1.0" encoding="utf-8"?>
 <p:sldLayout xmlns:a="http://schemas.openxmlformats.org/drawingml/2006/main" xmlns:r="http://schemas.openxmlformats.org/officeDocument/2006/relationships" xmlns:p="http://schemas.openxmlformats.org/presentationml/2006/main" type="picTx" preserve="1">
-  <p:cSld name="含輔助字幕的圖片">
+  <p:cSld name="含標題的圖片">
     <p:spTree>
       <p:nvGrpSpPr>
         <p:cNvPr id="1" name=""/>
@@ -2467,13 +2189,7 @@
       </p:grpSpPr>
       <p:sp>
         <p:nvSpPr>
-          <p:cNvPr id="2" name="標題 1">
-            <a:extLst>
-              <a:ext uri="{FF2B5EF4-FFF2-40B4-BE49-F238E27FC236}">
-                <a16:creationId xmlns:a16="http://schemas.microsoft.com/office/drawing/2014/main" id="{EEA18745-892F-4E4B-BB4B-054E396B46DA}"/>
-              </a:ext>
-            </a:extLst>
-          </p:cNvPr>
+          <p:cNvPr id="2" name="標題 1"/>
           <p:cNvSpPr>
             <a:spLocks noGrp="1"/>
           </p:cNvSpPr>
@@ -2496,21 +2212,16 @@
           </a:lstStyle>
           <a:p>
             <a:r>
-              <a:rPr lang="zh-TW" altLang="en-US"/>
+              <a:rPr lang="zh-TW" altLang="en-US" smtClean="0"/>
               <a:t>按一下以編輯母片標題樣式</a:t>
             </a:r>
-          </a:p>
-        </p:txBody>
-      </p:sp>
-      <p:sp>
-        <p:nvSpPr>
-          <p:cNvPr id="3" name="圖片版面配置區 2">
-            <a:extLst>
-              <a:ext uri="{FF2B5EF4-FFF2-40B4-BE49-F238E27FC236}">
-                <a16:creationId xmlns:a16="http://schemas.microsoft.com/office/drawing/2014/main" id="{0E03788B-8D3C-47A3-83A8-3351DF8E4FA3}"/>
-              </a:ext>
-            </a:extLst>
-          </p:cNvPr>
+            <a:endParaRPr lang="zh-TW" altLang="en-US"/>
+          </a:p>
+        </p:txBody>
+      </p:sp>
+      <p:sp>
+        <p:nvSpPr>
+          <p:cNvPr id="3" name="圖片版面配置區 2"/>
           <p:cNvSpPr>
             <a:spLocks noGrp="1"/>
           </p:cNvSpPr>
@@ -2571,13 +2282,7 @@
       </p:sp>
       <p:sp>
         <p:nvSpPr>
-          <p:cNvPr id="4" name="文字版面配置區 3">
-            <a:extLst>
-              <a:ext uri="{FF2B5EF4-FFF2-40B4-BE49-F238E27FC236}">
-                <a16:creationId xmlns:a16="http://schemas.microsoft.com/office/drawing/2014/main" id="{047889E7-E0CD-4BE8-957B-085F17DF9C44}"/>
-              </a:ext>
-            </a:extLst>
-          </p:cNvPr>
+          <p:cNvPr id="4" name="文字版面配置區 3"/>
           <p:cNvSpPr>
             <a:spLocks noGrp="1"/>
           </p:cNvSpPr>
@@ -2634,21 +2339,15 @@
           <a:p>
             <a:pPr lvl="0"/>
             <a:r>
-              <a:rPr lang="zh-TW" altLang="en-US"/>
-              <a:t>按一下以編輯母片文字樣式</a:t>
-            </a:r>
-          </a:p>
-        </p:txBody>
-      </p:sp>
-      <p:sp>
-        <p:nvSpPr>
-          <p:cNvPr id="5" name="日期版面配置區 4">
-            <a:extLst>
-              <a:ext uri="{FF2B5EF4-FFF2-40B4-BE49-F238E27FC236}">
-                <a16:creationId xmlns:a16="http://schemas.microsoft.com/office/drawing/2014/main" id="{CD26DD0F-F51F-408F-8550-5B46CB9F9A81}"/>
-              </a:ext>
-            </a:extLst>
-          </p:cNvPr>
+              <a:rPr lang="zh-TW" altLang="en-US" smtClean="0"/>
+              <a:t>編輯母片文字樣式</a:t>
+            </a:r>
+          </a:p>
+        </p:txBody>
+      </p:sp>
+      <p:sp>
+        <p:nvSpPr>
+          <p:cNvPr id="5" name="日期版面配置區 4"/>
           <p:cNvSpPr>
             <a:spLocks noGrp="1"/>
           </p:cNvSpPr>
@@ -2661,9 +2360,9 @@
           <a:bodyPr/>
           <a:lstStyle/>
           <a:p>
-            <a:fld id="{02BD3EAE-97EC-4489-A269-25A39711027D}" type="datetimeFigureOut">
-              <a:rPr lang="zh-TW" altLang="en-US" smtClean="0"/>
-              <a:t>2020/3/30</a:t>
+            <a:fld id="{44B41643-F996-44B9-B2A8-0CF003993389}" type="datetimeFigureOut">
+              <a:rPr lang="zh-TW" altLang="en-US" smtClean="0"/>
+              <a:t>2020/5/17</a:t>
             </a:fld>
             <a:endParaRPr lang="zh-TW" altLang="en-US"/>
           </a:p>
@@ -2671,13 +2370,7 @@
       </p:sp>
       <p:sp>
         <p:nvSpPr>
-          <p:cNvPr id="6" name="頁尾版面配置區 5">
-            <a:extLst>
-              <a:ext uri="{FF2B5EF4-FFF2-40B4-BE49-F238E27FC236}">
-                <a16:creationId xmlns:a16="http://schemas.microsoft.com/office/drawing/2014/main" id="{4CF939BD-285B-405A-BE36-E57BF4B4C4CC}"/>
-              </a:ext>
-            </a:extLst>
-          </p:cNvPr>
+          <p:cNvPr id="6" name="頁尾版面配置區 5"/>
           <p:cNvSpPr>
             <a:spLocks noGrp="1"/>
           </p:cNvSpPr>
@@ -2696,13 +2389,7 @@
       </p:sp>
       <p:sp>
         <p:nvSpPr>
-          <p:cNvPr id="7" name="投影片編號版面配置區 6">
-            <a:extLst>
-              <a:ext uri="{FF2B5EF4-FFF2-40B4-BE49-F238E27FC236}">
-                <a16:creationId xmlns:a16="http://schemas.microsoft.com/office/drawing/2014/main" id="{1C75D20A-652E-44A1-95C7-777A032037D5}"/>
-              </a:ext>
-            </a:extLst>
-          </p:cNvPr>
+          <p:cNvPr id="7" name="投影片編號版面配置區 6"/>
           <p:cNvSpPr>
             <a:spLocks noGrp="1"/>
           </p:cNvSpPr>
@@ -2715,7 +2402,7 @@
           <a:bodyPr/>
           <a:lstStyle/>
           <a:p>
-            <a:fld id="{DA65D73A-5DE4-4A94-BC71-85DD092D98A6}" type="slidenum">
+            <a:fld id="{9A9DCDA1-3A1F-44B4-B37E-6DCF223B9C52}" type="slidenum">
               <a:rPr lang="zh-TW" altLang="en-US" smtClean="0"/>
               <a:t>‹#›</a:t>
             </a:fld>
@@ -2726,7 +2413,7 @@
     </p:spTree>
     <p:extLst>
       <p:ext uri="{BB962C8B-B14F-4D97-AF65-F5344CB8AC3E}">
-        <p14:creationId xmlns:p14="http://schemas.microsoft.com/office/powerpoint/2010/main" val="2016413420"/>
+        <p14:creationId xmlns:p14="http://schemas.microsoft.com/office/powerpoint/2010/main" val="2676679389"/>
       </p:ext>
     </p:extLst>
   </p:cSld>
@@ -2760,13 +2447,7 @@
       </p:grpSpPr>
       <p:sp>
         <p:nvSpPr>
-          <p:cNvPr id="2" name="標題版面配置區 1">
-            <a:extLst>
-              <a:ext uri="{FF2B5EF4-FFF2-40B4-BE49-F238E27FC236}">
-                <a16:creationId xmlns:a16="http://schemas.microsoft.com/office/drawing/2014/main" id="{104014AE-28E1-4ED2-9C3B-9250D0EF7984}"/>
-              </a:ext>
-            </a:extLst>
-          </p:cNvPr>
+          <p:cNvPr id="2" name="標題版面配置區 1"/>
           <p:cNvSpPr>
             <a:spLocks noGrp="1"/>
           </p:cNvSpPr>
@@ -2790,21 +2471,16 @@
           <a:lstStyle/>
           <a:p>
             <a:r>
-              <a:rPr lang="zh-TW" altLang="en-US"/>
+              <a:rPr lang="zh-TW" altLang="en-US" smtClean="0"/>
               <a:t>按一下以編輯母片標題樣式</a:t>
             </a:r>
-          </a:p>
-        </p:txBody>
-      </p:sp>
-      <p:sp>
-        <p:nvSpPr>
-          <p:cNvPr id="3" name="文字版面配置區 2">
-            <a:extLst>
-              <a:ext uri="{FF2B5EF4-FFF2-40B4-BE49-F238E27FC236}">
-                <a16:creationId xmlns:a16="http://schemas.microsoft.com/office/drawing/2014/main" id="{CEE504BE-FD1E-493E-9F1D-199E5D4A1380}"/>
-              </a:ext>
-            </a:extLst>
-          </p:cNvPr>
+            <a:endParaRPr lang="zh-TW" altLang="en-US"/>
+          </a:p>
+        </p:txBody>
+      </p:sp>
+      <p:sp>
+        <p:nvSpPr>
+          <p:cNvPr id="3" name="文字版面配置區 2"/>
           <p:cNvSpPr>
             <a:spLocks noGrp="1"/>
           </p:cNvSpPr>
@@ -2829,49 +2505,44 @@
           <a:p>
             <a:pPr lvl="0"/>
             <a:r>
-              <a:rPr lang="zh-TW" altLang="en-US"/>
-              <a:t>按一下以編輯母片文字樣式</a:t>
+              <a:rPr lang="zh-TW" altLang="en-US" smtClean="0"/>
+              <a:t>編輯母片文字樣式</a:t>
             </a:r>
           </a:p>
           <a:p>
             <a:pPr lvl="1"/>
             <a:r>
-              <a:rPr lang="zh-TW" altLang="en-US"/>
+              <a:rPr lang="zh-TW" altLang="en-US" smtClean="0"/>
               <a:t>第二層</a:t>
             </a:r>
           </a:p>
           <a:p>
             <a:pPr lvl="2"/>
             <a:r>
-              <a:rPr lang="zh-TW" altLang="en-US"/>
+              <a:rPr lang="zh-TW" altLang="en-US" smtClean="0"/>
               <a:t>第三層</a:t>
             </a:r>
           </a:p>
           <a:p>
             <a:pPr lvl="3"/>
             <a:r>
-              <a:rPr lang="zh-TW" altLang="en-US"/>
+              <a:rPr lang="zh-TW" altLang="en-US" smtClean="0"/>
               <a:t>第四層</a:t>
             </a:r>
           </a:p>
           <a:p>
             <a:pPr lvl="4"/>
             <a:r>
-              <a:rPr lang="zh-TW" altLang="en-US"/>
+              <a:rPr lang="zh-TW" altLang="en-US" smtClean="0"/>
               <a:t>第五層</a:t>
             </a:r>
-          </a:p>
-        </p:txBody>
-      </p:sp>
-      <p:sp>
-        <p:nvSpPr>
-          <p:cNvPr id="4" name="日期版面配置區 3">
-            <a:extLst>
-              <a:ext uri="{FF2B5EF4-FFF2-40B4-BE49-F238E27FC236}">
-                <a16:creationId xmlns:a16="http://schemas.microsoft.com/office/drawing/2014/main" id="{63810246-852E-4021-873C-FDC518E31508}"/>
-              </a:ext>
-            </a:extLst>
-          </p:cNvPr>
+            <a:endParaRPr lang="zh-TW" altLang="en-US"/>
+          </a:p>
+        </p:txBody>
+      </p:sp>
+      <p:sp>
+        <p:nvSpPr>
+          <p:cNvPr id="4" name="日期版面配置區 3"/>
           <p:cNvSpPr>
             <a:spLocks noGrp="1"/>
           </p:cNvSpPr>
@@ -2902,9 +2573,9 @@
             </a:lvl1pPr>
           </a:lstStyle>
           <a:p>
-            <a:fld id="{02BD3EAE-97EC-4489-A269-25A39711027D}" type="datetimeFigureOut">
-              <a:rPr lang="zh-TW" altLang="en-US" smtClean="0"/>
-              <a:t>2020/3/30</a:t>
+            <a:fld id="{44B41643-F996-44B9-B2A8-0CF003993389}" type="datetimeFigureOut">
+              <a:rPr lang="zh-TW" altLang="en-US" smtClean="0"/>
+              <a:t>2020/5/17</a:t>
             </a:fld>
             <a:endParaRPr lang="zh-TW" altLang="en-US"/>
           </a:p>
@@ -2912,13 +2583,7 @@
       </p:sp>
       <p:sp>
         <p:nvSpPr>
-          <p:cNvPr id="5" name="頁尾版面配置區 4">
-            <a:extLst>
-              <a:ext uri="{FF2B5EF4-FFF2-40B4-BE49-F238E27FC236}">
-                <a16:creationId xmlns:a16="http://schemas.microsoft.com/office/drawing/2014/main" id="{1A55F397-597C-42BC-AD01-9446960F30BB}"/>
-              </a:ext>
-            </a:extLst>
-          </p:cNvPr>
+          <p:cNvPr id="5" name="頁尾版面配置區 4"/>
           <p:cNvSpPr>
             <a:spLocks noGrp="1"/>
           </p:cNvSpPr>
@@ -2955,13 +2620,7 @@
       </p:sp>
       <p:sp>
         <p:nvSpPr>
-          <p:cNvPr id="6" name="投影片編號版面配置區 5">
-            <a:extLst>
-              <a:ext uri="{FF2B5EF4-FFF2-40B4-BE49-F238E27FC236}">
-                <a16:creationId xmlns:a16="http://schemas.microsoft.com/office/drawing/2014/main" id="{B684ECD2-A55D-49C7-ACF7-6312D4E2AC35}"/>
-              </a:ext>
-            </a:extLst>
-          </p:cNvPr>
+          <p:cNvPr id="6" name="投影片編號版面配置區 5"/>
           <p:cNvSpPr>
             <a:spLocks noGrp="1"/>
           </p:cNvSpPr>
@@ -2992,7 +2651,7 @@
             </a:lvl1pPr>
           </a:lstStyle>
           <a:p>
-            <a:fld id="{DA65D73A-5DE4-4A94-BC71-85DD092D98A6}" type="slidenum">
+            <a:fld id="{9A9DCDA1-3A1F-44B4-B37E-6DCF223B9C52}" type="slidenum">
               <a:rPr lang="zh-TW" altLang="en-US" smtClean="0"/>
               <a:t>‹#›</a:t>
             </a:fld>
@@ -3003,7 +2662,7 @@
     </p:spTree>
     <p:extLst>
       <p:ext uri="{BB962C8B-B14F-4D97-AF65-F5344CB8AC3E}">
-        <p14:creationId xmlns:p14="http://schemas.microsoft.com/office/powerpoint/2010/main" val="449274116"/>
+        <p14:creationId xmlns:p14="http://schemas.microsoft.com/office/powerpoint/2010/main" val="2323991794"/>
       </p:ext>
     </p:extLst>
   </p:cSld>
@@ -3326,7 +2985,7 @@
           <p:cNvPr id="4" name="群組 3">
             <a:extLst>
               <a:ext uri="{FF2B5EF4-FFF2-40B4-BE49-F238E27FC236}">
-                <a16:creationId xmlns:a16="http://schemas.microsoft.com/office/drawing/2014/main" id="{1699EC40-190C-4D93-8B0D-CFB556D55A8E}"/>
+                <a16:creationId xmlns:a16="http://schemas.microsoft.com/office/drawing/2014/main" id="{2289D84B-580D-47A0-A03A-AD1AC9F84788}"/>
               </a:ext>
             </a:extLst>
           </p:cNvPr>
@@ -3335,356 +2994,73 @@
         </p:nvGrpSpPr>
         <p:grpSpPr>
           <a:xfrm>
-            <a:off x="3580744" y="2362139"/>
-            <a:ext cx="5030511" cy="2133721"/>
-            <a:chOff x="2932039" y="2362139"/>
-            <a:chExt cx="5030511" cy="2133721"/>
+            <a:off x="3080965" y="3566438"/>
+            <a:ext cx="1217414" cy="443704"/>
+            <a:chOff x="4190387" y="1054788"/>
+            <a:chExt cx="1665129" cy="740456"/>
           </a:xfrm>
         </p:grpSpPr>
-        <p:grpSp>
-          <p:nvGrpSpPr>
-            <p:cNvPr id="5" name="群組 4">
+        <p:sp>
+          <p:nvSpPr>
+            <p:cNvPr id="5" name="矩形 4">
               <a:extLst>
                 <a:ext uri="{FF2B5EF4-FFF2-40B4-BE49-F238E27FC236}">
-                  <a16:creationId xmlns:a16="http://schemas.microsoft.com/office/drawing/2014/main" id="{8D58E719-FEEF-4EDF-A131-7E2E3B2CCF7A}"/>
+                  <a16:creationId xmlns:a16="http://schemas.microsoft.com/office/drawing/2014/main" id="{9B68A99D-AF0F-4C1E-8053-9CB155C55A28}"/>
                 </a:ext>
               </a:extLst>
             </p:cNvPr>
-            <p:cNvGrpSpPr/>
+            <p:cNvSpPr/>
             <p:nvPr/>
-          </p:nvGrpSpPr>
-          <p:grpSpPr>
+          </p:nvSpPr>
+          <p:spPr>
             <a:xfrm>
-              <a:off x="2932039" y="3471828"/>
+              <a:off x="4190387" y="1054788"/>
               <a:ext cx="1665129" cy="740456"/>
-              <a:chOff x="4190387" y="1054788"/>
-              <a:chExt cx="1665129" cy="740456"/>
             </a:xfrm>
-          </p:grpSpPr>
-          <p:sp>
-            <p:nvSpPr>
-              <p:cNvPr id="17" name="矩形 16">
-                <a:extLst>
-                  <a:ext uri="{FF2B5EF4-FFF2-40B4-BE49-F238E27FC236}">
-                    <a16:creationId xmlns:a16="http://schemas.microsoft.com/office/drawing/2014/main" id="{A953A6C9-AEAF-4A73-B8D9-78437A2B6663}"/>
-                  </a:ext>
-                </a:extLst>
-              </p:cNvPr>
-              <p:cNvSpPr/>
-              <p:nvPr/>
-            </p:nvSpPr>
-            <p:spPr>
-              <a:xfrm>
-                <a:off x="4190387" y="1054788"/>
-                <a:ext cx="1665129" cy="740456"/>
-              </a:xfrm>
-              <a:prstGeom prst="rect">
-                <a:avLst/>
-              </a:prstGeom>
-              <a:noFill/>
-              <a:ln>
-                <a:solidFill>
-                  <a:schemeClr val="tx1"/>
-                </a:solidFill>
-              </a:ln>
-            </p:spPr>
-            <p:style>
-              <a:lnRef idx="2">
-                <a:schemeClr val="accent1">
-                  <a:shade val="50000"/>
-                </a:schemeClr>
-              </a:lnRef>
-              <a:fillRef idx="1">
-                <a:schemeClr val="accent1"/>
-              </a:fillRef>
-              <a:effectRef idx="0">
-                <a:schemeClr val="accent1"/>
-              </a:effectRef>
-              <a:fontRef idx="minor">
-                <a:schemeClr val="lt1"/>
-              </a:fontRef>
-            </p:style>
-            <p:txBody>
-              <a:bodyPr rtlCol="0" anchor="ctr"/>
-              <a:lstStyle/>
-              <a:p>
-                <a:pPr algn="ctr"/>
-                <a:endParaRPr lang="zh-TW" altLang="en-US"/>
-              </a:p>
-            </p:txBody>
-          </p:sp>
-          <p:sp>
-            <p:nvSpPr>
-              <p:cNvPr id="18" name="文字方塊 17">
-                <a:extLst>
-                  <a:ext uri="{FF2B5EF4-FFF2-40B4-BE49-F238E27FC236}">
-                    <a16:creationId xmlns:a16="http://schemas.microsoft.com/office/drawing/2014/main" id="{8234E11D-B5BE-4C75-A652-8D9854029564}"/>
-                  </a:ext>
-                </a:extLst>
-              </p:cNvPr>
-              <p:cNvSpPr txBox="1"/>
-              <p:nvPr/>
-            </p:nvSpPr>
-            <p:spPr>
-              <a:xfrm>
-                <a:off x="4583599" y="1240350"/>
-                <a:ext cx="878704" cy="369332"/>
-              </a:xfrm>
-              <a:prstGeom prst="rect">
-                <a:avLst/>
-              </a:prstGeom>
-              <a:noFill/>
-            </p:spPr>
-            <p:txBody>
-              <a:bodyPr wrap="square" rtlCol="0">
-                <a:spAutoFit/>
-              </a:bodyPr>
-              <a:lstStyle/>
-              <a:p>
-                <a:r>
-                  <a:rPr lang="zh-TW" altLang="en-US" dirty="0"/>
-                  <a:t>使用者</a:t>
-                </a:r>
-              </a:p>
-            </p:txBody>
-          </p:sp>
-        </p:grpSp>
-        <p:grpSp>
-          <p:nvGrpSpPr>
-            <p:cNvPr id="6" name="群組 5">
-              <a:extLst>
-                <a:ext uri="{FF2B5EF4-FFF2-40B4-BE49-F238E27FC236}">
-                  <a16:creationId xmlns:a16="http://schemas.microsoft.com/office/drawing/2014/main" id="{33B9A2F6-AA89-43AA-80C2-C5A9EA376571}"/>
-                </a:ext>
-              </a:extLst>
-            </p:cNvPr>
-            <p:cNvGrpSpPr/>
-            <p:nvPr/>
-          </p:nvGrpSpPr>
-          <p:grpSpPr>
-            <a:xfrm>
-              <a:off x="6611922" y="3186065"/>
-              <a:ext cx="1350628" cy="1309795"/>
-              <a:chOff x="5420685" y="2589436"/>
-              <a:chExt cx="1350628" cy="1309795"/>
-            </a:xfrm>
-          </p:grpSpPr>
-          <p:sp>
-            <p:nvSpPr>
-              <p:cNvPr id="14" name="橢圓 13">
-                <a:extLst>
-                  <a:ext uri="{FF2B5EF4-FFF2-40B4-BE49-F238E27FC236}">
-                    <a16:creationId xmlns:a16="http://schemas.microsoft.com/office/drawing/2014/main" id="{2ABC31E6-CBD9-49F0-9351-21F11A6896C1}"/>
-                  </a:ext>
-                </a:extLst>
-              </p:cNvPr>
-              <p:cNvSpPr/>
-              <p:nvPr/>
-            </p:nvSpPr>
-            <p:spPr>
-              <a:xfrm>
-                <a:off x="5420685" y="2589436"/>
-                <a:ext cx="1350628" cy="1309795"/>
-              </a:xfrm>
-              <a:prstGeom prst="ellipse">
-                <a:avLst/>
-              </a:prstGeom>
-              <a:noFill/>
-              <a:ln>
-                <a:solidFill>
-                  <a:schemeClr val="tx1"/>
-                </a:solidFill>
-              </a:ln>
-            </p:spPr>
-            <p:style>
-              <a:lnRef idx="2">
-                <a:schemeClr val="accent1">
-                  <a:shade val="50000"/>
-                </a:schemeClr>
-              </a:lnRef>
-              <a:fillRef idx="1">
-                <a:schemeClr val="accent1"/>
-              </a:fillRef>
-              <a:effectRef idx="0">
-                <a:schemeClr val="accent1"/>
-              </a:effectRef>
-              <a:fontRef idx="minor">
-                <a:schemeClr val="lt1"/>
-              </a:fontRef>
-            </p:style>
-            <p:txBody>
-              <a:bodyPr rtlCol="0" anchor="ctr"/>
-              <a:lstStyle/>
-              <a:p>
-                <a:pPr algn="ctr"/>
-                <a:endParaRPr lang="zh-TW" altLang="en-US"/>
-              </a:p>
-            </p:txBody>
-          </p:sp>
-          <p:sp>
-            <p:nvSpPr>
-              <p:cNvPr id="15" name="文字方塊 14">
-                <a:extLst>
-                  <a:ext uri="{FF2B5EF4-FFF2-40B4-BE49-F238E27FC236}">
-                    <a16:creationId xmlns:a16="http://schemas.microsoft.com/office/drawing/2014/main" id="{AD5164B1-7579-456C-A92E-5C7DD97ADFA8}"/>
-                  </a:ext>
-                </a:extLst>
-              </p:cNvPr>
-              <p:cNvSpPr txBox="1"/>
-              <p:nvPr/>
-            </p:nvSpPr>
-            <p:spPr>
-              <a:xfrm>
-                <a:off x="5806580" y="2808087"/>
-                <a:ext cx="578840" cy="369332"/>
-              </a:xfrm>
-              <a:prstGeom prst="rect">
-                <a:avLst/>
-              </a:prstGeom>
-              <a:noFill/>
-            </p:spPr>
-            <p:txBody>
-              <a:bodyPr wrap="square" rtlCol="0">
-                <a:spAutoFit/>
-              </a:bodyPr>
-              <a:lstStyle/>
-              <a:p>
-                <a:r>
-                  <a:rPr lang="zh-TW" altLang="en-US"/>
-                  <a:t>圖</a:t>
-                </a:r>
-                <a:r>
-                  <a:rPr lang="en-US" altLang="zh-TW" dirty="0"/>
-                  <a:t>0</a:t>
-                </a:r>
-                <a:endParaRPr lang="zh-TW" altLang="en-US" dirty="0"/>
-              </a:p>
-            </p:txBody>
-          </p:sp>
-          <p:sp>
-            <p:nvSpPr>
-              <p:cNvPr id="16" name="文字方塊 15">
-                <a:extLst>
-                  <a:ext uri="{FF2B5EF4-FFF2-40B4-BE49-F238E27FC236}">
-                    <a16:creationId xmlns:a16="http://schemas.microsoft.com/office/drawing/2014/main" id="{A0B62154-B23C-499B-95CE-E9DD8CD16ACB}"/>
-                  </a:ext>
-                </a:extLst>
-              </p:cNvPr>
-              <p:cNvSpPr txBox="1"/>
-              <p:nvPr/>
-            </p:nvSpPr>
-            <p:spPr>
-              <a:xfrm>
-                <a:off x="5530441" y="3244334"/>
-                <a:ext cx="1131117" cy="369332"/>
-              </a:xfrm>
-              <a:prstGeom prst="rect">
-                <a:avLst/>
-              </a:prstGeom>
-              <a:noFill/>
-            </p:spPr>
-            <p:txBody>
-              <a:bodyPr wrap="square" rtlCol="0">
-                <a:spAutoFit/>
-              </a:bodyPr>
-              <a:lstStyle/>
-              <a:p>
-                <a:r>
-                  <a:rPr lang="zh-TW" altLang="en-US" dirty="0"/>
-                  <a:t>面相卜手</a:t>
-                </a:r>
-              </a:p>
-            </p:txBody>
-          </p:sp>
-        </p:grpSp>
-        <p:cxnSp>
-          <p:nvCxnSpPr>
-            <p:cNvPr id="7" name="直線單箭頭接點 6">
-              <a:extLst>
-                <a:ext uri="{FF2B5EF4-FFF2-40B4-BE49-F238E27FC236}">
-                  <a16:creationId xmlns:a16="http://schemas.microsoft.com/office/drawing/2014/main" id="{29856BC1-85EE-4868-BA8F-A87F3595A68E}"/>
-                </a:ext>
-              </a:extLst>
-            </p:cNvPr>
-            <p:cNvCxnSpPr>
-              <a:stCxn id="14" idx="3"/>
-            </p:cNvCxnSpPr>
-            <p:nvPr/>
-          </p:nvCxnSpPr>
-          <p:spPr>
-            <a:xfrm flipH="1" flipV="1">
-              <a:off x="4597168" y="4210295"/>
-              <a:ext cx="2212549" cy="93750"/>
-            </a:xfrm>
-            <a:prstGeom prst="straightConnector1">
+            <a:prstGeom prst="rect">
               <a:avLst/>
             </a:prstGeom>
+            <a:noFill/>
             <a:ln>
-              <a:tailEnd type="triangle"/>
+              <a:solidFill>
+                <a:schemeClr val="tx1"/>
+              </a:solidFill>
             </a:ln>
           </p:spPr>
           <p:style>
-            <a:lnRef idx="1">
-              <a:schemeClr val="dk1"/>
+            <a:lnRef idx="2">
+              <a:schemeClr val="accent1">
+                <a:shade val="50000"/>
+              </a:schemeClr>
             </a:lnRef>
-            <a:fillRef idx="0">
-              <a:schemeClr val="dk1"/>
+            <a:fillRef idx="1">
+              <a:schemeClr val="accent1"/>
             </a:fillRef>
             <a:effectRef idx="0">
-              <a:schemeClr val="dk1"/>
+              <a:schemeClr val="accent1"/>
             </a:effectRef>
             <a:fontRef idx="minor">
-              <a:schemeClr val="tx1"/>
+              <a:schemeClr val="lt1"/>
             </a:fontRef>
           </p:style>
-        </p:cxnSp>
-        <p:cxnSp>
-          <p:nvCxnSpPr>
-            <p:cNvPr id="8" name="直線單箭頭接點 7">
+          <p:txBody>
+            <a:bodyPr rtlCol="0" anchor="ctr"/>
+            <a:lstStyle/>
+            <a:p>
+              <a:pPr algn="ctr"/>
+              <a:endParaRPr lang="zh-TW" altLang="en-US">
+                <a:latin typeface="標楷體" panose="03000509000000000000" pitchFamily="65" charset="-120"/>
+                <a:ea typeface="標楷體" panose="03000509000000000000" pitchFamily="65" charset="-120"/>
+              </a:endParaRPr>
+            </a:p>
+          </p:txBody>
+        </p:sp>
+        <p:sp>
+          <p:nvSpPr>
+            <p:cNvPr id="6" name="文字方塊 5">
               <a:extLst>
                 <a:ext uri="{FF2B5EF4-FFF2-40B4-BE49-F238E27FC236}">
-                  <a16:creationId xmlns:a16="http://schemas.microsoft.com/office/drawing/2014/main" id="{6F85A06B-D253-4771-9D2E-BE68077E39B8}"/>
-                </a:ext>
-              </a:extLst>
-            </p:cNvPr>
-            <p:cNvCxnSpPr>
-              <a:endCxn id="14" idx="1"/>
-            </p:cNvCxnSpPr>
-            <p:nvPr/>
-          </p:nvCxnSpPr>
-          <p:spPr>
-            <a:xfrm flipV="1">
-              <a:off x="4597168" y="3377880"/>
-              <a:ext cx="2212549" cy="93948"/>
-            </a:xfrm>
-            <a:prstGeom prst="straightConnector1">
-              <a:avLst/>
-            </a:prstGeom>
-            <a:ln>
-              <a:tailEnd type="triangle"/>
-            </a:ln>
-          </p:spPr>
-          <p:style>
-            <a:lnRef idx="1">
-              <a:schemeClr val="dk1"/>
-            </a:lnRef>
-            <a:fillRef idx="0">
-              <a:schemeClr val="dk1"/>
-            </a:fillRef>
-            <a:effectRef idx="0">
-              <a:schemeClr val="dk1"/>
-            </a:effectRef>
-            <a:fontRef idx="minor">
-              <a:schemeClr val="tx1"/>
-            </a:fontRef>
-          </p:style>
-        </p:cxnSp>
-        <p:sp>
-          <p:nvSpPr>
-            <p:cNvPr id="9" name="文字方塊 8">
-              <a:extLst>
-                <a:ext uri="{FF2B5EF4-FFF2-40B4-BE49-F238E27FC236}">
-                  <a16:creationId xmlns:a16="http://schemas.microsoft.com/office/drawing/2014/main" id="{6435E296-F43F-4B2D-8B5C-2CA49DFD50CD}"/>
+                  <a16:creationId xmlns:a16="http://schemas.microsoft.com/office/drawing/2014/main" id="{22242C44-E3FE-4CB1-A824-4AAAA4F41D3B}"/>
                 </a:ext>
               </a:extLst>
             </p:cNvPr>
@@ -3693,15 +3069,127 @@
           </p:nvSpPr>
           <p:spPr>
             <a:xfrm>
-              <a:off x="5217953" y="3289495"/>
-              <a:ext cx="805343" cy="276999"/>
+              <a:off x="4507933" y="1179182"/>
+              <a:ext cx="988526" cy="513620"/>
             </a:xfrm>
             <a:prstGeom prst="rect">
               <a:avLst/>
             </a:prstGeom>
-            <a:solidFill>
-              <a:schemeClr val="bg1"/>
-            </a:solidFill>
+            <a:noFill/>
+          </p:spPr>
+          <p:txBody>
+            <a:bodyPr wrap="square" rtlCol="0">
+              <a:spAutoFit/>
+            </a:bodyPr>
+            <a:lstStyle/>
+            <a:p>
+              <a:r>
+                <a:rPr lang="zh-TW" altLang="en-US" sz="1400" dirty="0">
+                  <a:latin typeface="標楷體" panose="03000509000000000000" pitchFamily="65" charset="-120"/>
+                  <a:ea typeface="標楷體" panose="03000509000000000000" pitchFamily="65" charset="-120"/>
+                </a:rPr>
+                <a:t>使用者</a:t>
+              </a:r>
+            </a:p>
+          </p:txBody>
+        </p:sp>
+      </p:grpSp>
+      <p:grpSp>
+        <p:nvGrpSpPr>
+          <p:cNvPr id="11" name="群組 10">
+            <a:extLst>
+              <a:ext uri="{FF2B5EF4-FFF2-40B4-BE49-F238E27FC236}">
+                <a16:creationId xmlns:a16="http://schemas.microsoft.com/office/drawing/2014/main" id="{DD4C87D6-616B-4DDF-8247-D9101FB658FD}"/>
+              </a:ext>
+            </a:extLst>
+          </p:cNvPr>
+          <p:cNvGrpSpPr/>
+          <p:nvPr/>
+        </p:nvGrpSpPr>
+        <p:grpSpPr>
+          <a:xfrm>
+            <a:off x="4879402" y="2275398"/>
+            <a:ext cx="642441" cy="520116"/>
+            <a:chOff x="3999363" y="2361958"/>
+            <a:chExt cx="642441" cy="520116"/>
+          </a:xfrm>
+        </p:grpSpPr>
+        <p:sp>
+          <p:nvSpPr>
+            <p:cNvPr id="9" name="矩形 8">
+              <a:extLst>
+                <a:ext uri="{FF2B5EF4-FFF2-40B4-BE49-F238E27FC236}">
+                  <a16:creationId xmlns:a16="http://schemas.microsoft.com/office/drawing/2014/main" id="{A0A63D4B-1EA7-423A-A6C2-8761BA93453A}"/>
+                </a:ext>
+              </a:extLst>
+            </p:cNvPr>
+            <p:cNvSpPr/>
+            <p:nvPr/>
+          </p:nvSpPr>
+          <p:spPr>
+            <a:xfrm rot="18688713">
+              <a:off x="4060526" y="2358908"/>
+              <a:ext cx="520116" cy="526216"/>
+            </a:xfrm>
+            <a:prstGeom prst="rect">
+              <a:avLst/>
+            </a:prstGeom>
+            <a:noFill/>
+            <a:ln>
+              <a:solidFill>
+                <a:schemeClr val="tx1"/>
+              </a:solidFill>
+            </a:ln>
+          </p:spPr>
+          <p:style>
+            <a:lnRef idx="2">
+              <a:schemeClr val="accent1">
+                <a:shade val="50000"/>
+              </a:schemeClr>
+            </a:lnRef>
+            <a:fillRef idx="1">
+              <a:schemeClr val="accent1"/>
+            </a:fillRef>
+            <a:effectRef idx="0">
+              <a:schemeClr val="accent1"/>
+            </a:effectRef>
+            <a:fontRef idx="minor">
+              <a:schemeClr val="lt1"/>
+            </a:fontRef>
+          </p:style>
+          <p:txBody>
+            <a:bodyPr rtlCol="0" anchor="ctr"/>
+            <a:lstStyle/>
+            <a:p>
+              <a:pPr algn="ctr"/>
+              <a:endParaRPr lang="zh-TW" altLang="en-US">
+                <a:latin typeface="標楷體" panose="03000509000000000000" pitchFamily="65" charset="-120"/>
+                <a:ea typeface="標楷體" panose="03000509000000000000" pitchFamily="65" charset="-120"/>
+              </a:endParaRPr>
+            </a:p>
+          </p:txBody>
+        </p:sp>
+        <p:sp>
+          <p:nvSpPr>
+            <p:cNvPr id="10" name="文字方塊 9">
+              <a:extLst>
+                <a:ext uri="{FF2B5EF4-FFF2-40B4-BE49-F238E27FC236}">
+                  <a16:creationId xmlns:a16="http://schemas.microsoft.com/office/drawing/2014/main" id="{F10906D0-9394-4684-87C1-2A0BC15D7DF0}"/>
+                </a:ext>
+              </a:extLst>
+            </p:cNvPr>
+            <p:cNvSpPr txBox="1"/>
+            <p:nvPr/>
+          </p:nvSpPr>
+          <p:spPr>
+            <a:xfrm>
+              <a:off x="3999363" y="2483516"/>
+              <a:ext cx="642441" cy="307777"/>
+            </a:xfrm>
+            <a:prstGeom prst="rect">
+              <a:avLst/>
+            </a:prstGeom>
+            <a:noFill/>
           </p:spPr>
           <p:txBody>
             <a:bodyPr wrap="square" rtlCol="0">
@@ -3711,18 +3199,97 @@
             <a:p>
               <a:pPr algn="ctr"/>
               <a:r>
-                <a:rPr lang="zh-TW" altLang="en-US" sz="1200" dirty="0"/>
-                <a:t>臉部照片</a:t>
+                <a:rPr lang="zh-TW" altLang="en-US" sz="1400" dirty="0">
+                  <a:latin typeface="標楷體" panose="03000509000000000000" pitchFamily="65" charset="-120"/>
+                  <a:ea typeface="標楷體" panose="03000509000000000000" pitchFamily="65" charset="-120"/>
+                </a:rPr>
+                <a:t>傳回</a:t>
               </a:r>
+            </a:p>
+          </p:txBody>
+        </p:sp>
+      </p:grpSp>
+      <p:grpSp>
+        <p:nvGrpSpPr>
+          <p:cNvPr id="15" name="群組 14">
+            <a:extLst>
+              <a:ext uri="{FF2B5EF4-FFF2-40B4-BE49-F238E27FC236}">
+                <a16:creationId xmlns:a16="http://schemas.microsoft.com/office/drawing/2014/main" id="{468295A3-BF57-4496-AC02-650860E3413F}"/>
+              </a:ext>
+            </a:extLst>
+          </p:cNvPr>
+          <p:cNvGrpSpPr/>
+          <p:nvPr/>
+        </p:nvGrpSpPr>
+        <p:grpSpPr>
+          <a:xfrm>
+            <a:off x="6287713" y="3644829"/>
+            <a:ext cx="1134321" cy="413420"/>
+            <a:chOff x="4190387" y="1054788"/>
+            <a:chExt cx="1665129" cy="740456"/>
+          </a:xfrm>
+        </p:grpSpPr>
+        <p:sp>
+          <p:nvSpPr>
+            <p:cNvPr id="16" name="矩形 15">
+              <a:extLst>
+                <a:ext uri="{FF2B5EF4-FFF2-40B4-BE49-F238E27FC236}">
+                  <a16:creationId xmlns:a16="http://schemas.microsoft.com/office/drawing/2014/main" id="{CD3E2642-2174-4BC7-9C33-CCCA3D8C636D}"/>
+                </a:ext>
+              </a:extLst>
+            </p:cNvPr>
+            <p:cNvSpPr/>
+            <p:nvPr/>
+          </p:nvSpPr>
+          <p:spPr>
+            <a:xfrm>
+              <a:off x="4190387" y="1054788"/>
+              <a:ext cx="1665129" cy="740456"/>
+            </a:xfrm>
+            <a:prstGeom prst="rect">
+              <a:avLst/>
+            </a:prstGeom>
+            <a:noFill/>
+            <a:ln>
+              <a:solidFill>
+                <a:schemeClr val="tx1"/>
+              </a:solidFill>
+            </a:ln>
+          </p:spPr>
+          <p:style>
+            <a:lnRef idx="2">
+              <a:schemeClr val="accent1">
+                <a:shade val="50000"/>
+              </a:schemeClr>
+            </a:lnRef>
+            <a:fillRef idx="1">
+              <a:schemeClr val="accent1"/>
+            </a:fillRef>
+            <a:effectRef idx="0">
+              <a:schemeClr val="accent1"/>
+            </a:effectRef>
+            <a:fontRef idx="minor">
+              <a:schemeClr val="lt1"/>
+            </a:fontRef>
+          </p:style>
+          <p:txBody>
+            <a:bodyPr rtlCol="0" anchor="ctr"/>
+            <a:lstStyle/>
+            <a:p>
+              <a:pPr algn="ctr"/>
+              <a:endParaRPr lang="zh-TW" altLang="en-US">
+                <a:latin typeface="標楷體" panose="03000509000000000000" pitchFamily="65" charset="-120"/>
+                <a:ea typeface="標楷體" panose="03000509000000000000" pitchFamily="65" charset="-120"/>
+              </a:endParaRPr>
             </a:p>
           </p:txBody>
         </p:sp>
         <p:sp>
           <p:nvSpPr>
-            <p:cNvPr id="10" name="文字方塊 9">
+            <p:cNvPr id="17" name="文字方塊 16">
               <a:extLst>
                 <a:ext uri="{FF2B5EF4-FFF2-40B4-BE49-F238E27FC236}">
-                  <a16:creationId xmlns:a16="http://schemas.microsoft.com/office/drawing/2014/main" id="{C1ABA480-0E8A-4D04-AAB8-AE8030F94580}"/>
+                  <a16:creationId xmlns:a16="http://schemas.microsoft.com/office/drawing/2014/main" id="{BCC0BCF1-B420-481A-A21A-DB4D16120941}"/>
                 </a:ext>
               </a:extLst>
             </p:cNvPr>
@@ -3731,15 +3298,13 @@
           </p:nvSpPr>
           <p:spPr>
             <a:xfrm>
-              <a:off x="5217952" y="4071795"/>
-              <a:ext cx="805343" cy="276999"/>
+              <a:off x="4583599" y="1164148"/>
+              <a:ext cx="878704" cy="364418"/>
             </a:xfrm>
             <a:prstGeom prst="rect">
               <a:avLst/>
             </a:prstGeom>
-            <a:solidFill>
-              <a:schemeClr val="bg1"/>
-            </a:solidFill>
+            <a:noFill/>
           </p:spPr>
           <p:txBody>
             <a:bodyPr wrap="square" rtlCol="0">
@@ -3749,125 +3314,862 @@
             <a:p>
               <a:pPr algn="ctr"/>
               <a:r>
-                <a:rPr lang="zh-TW" altLang="en-US" sz="1200" dirty="0"/>
+                <a:rPr lang="zh-TW" altLang="en-US" sz="1400" dirty="0">
+                  <a:latin typeface="標楷體" panose="03000509000000000000" pitchFamily="65" charset="-120"/>
+                  <a:ea typeface="標楷體" panose="03000509000000000000" pitchFamily="65" charset="-120"/>
+                </a:rPr>
+                <a:t>照片</a:t>
+              </a:r>
+            </a:p>
+          </p:txBody>
+        </p:sp>
+      </p:grpSp>
+      <p:grpSp>
+        <p:nvGrpSpPr>
+          <p:cNvPr id="23" name="群組 22">
+            <a:extLst>
+              <a:ext uri="{FF2B5EF4-FFF2-40B4-BE49-F238E27FC236}">
+                <a16:creationId xmlns:a16="http://schemas.microsoft.com/office/drawing/2014/main" id="{1D3A60C8-EEA0-4880-8610-A5FBF6CE196F}"/>
+              </a:ext>
+            </a:extLst>
+          </p:cNvPr>
+          <p:cNvGrpSpPr/>
+          <p:nvPr/>
+        </p:nvGrpSpPr>
+        <p:grpSpPr>
+          <a:xfrm>
+            <a:off x="8233065" y="3588256"/>
+            <a:ext cx="650409" cy="526567"/>
+            <a:chOff x="3999362" y="2361958"/>
+            <a:chExt cx="642441" cy="520116"/>
+          </a:xfrm>
+        </p:grpSpPr>
+        <p:sp>
+          <p:nvSpPr>
+            <p:cNvPr id="24" name="矩形 23">
+              <a:extLst>
+                <a:ext uri="{FF2B5EF4-FFF2-40B4-BE49-F238E27FC236}">
+                  <a16:creationId xmlns:a16="http://schemas.microsoft.com/office/drawing/2014/main" id="{5B8C69EF-20FF-4500-A09E-8E7CBCEEC921}"/>
+                </a:ext>
+              </a:extLst>
+            </p:cNvPr>
+            <p:cNvSpPr/>
+            <p:nvPr/>
+          </p:nvSpPr>
+          <p:spPr>
+            <a:xfrm rot="18688713">
+              <a:off x="4060526" y="2358908"/>
+              <a:ext cx="520116" cy="526216"/>
+            </a:xfrm>
+            <a:prstGeom prst="rect">
+              <a:avLst/>
+            </a:prstGeom>
+            <a:noFill/>
+            <a:ln>
+              <a:solidFill>
+                <a:schemeClr val="tx1"/>
+              </a:solidFill>
+            </a:ln>
+          </p:spPr>
+          <p:style>
+            <a:lnRef idx="2">
+              <a:schemeClr val="accent1">
+                <a:shade val="50000"/>
+              </a:schemeClr>
+            </a:lnRef>
+            <a:fillRef idx="1">
+              <a:schemeClr val="accent1"/>
+            </a:fillRef>
+            <a:effectRef idx="0">
+              <a:schemeClr val="accent1"/>
+            </a:effectRef>
+            <a:fontRef idx="minor">
+              <a:schemeClr val="lt1"/>
+            </a:fontRef>
+          </p:style>
+          <p:txBody>
+            <a:bodyPr rtlCol="0" anchor="ctr"/>
+            <a:lstStyle/>
+            <a:p>
+              <a:pPr algn="ctr"/>
+              <a:endParaRPr lang="zh-TW" altLang="en-US">
+                <a:latin typeface="標楷體" panose="03000509000000000000" pitchFamily="65" charset="-120"/>
+                <a:ea typeface="標楷體" panose="03000509000000000000" pitchFamily="65" charset="-120"/>
+              </a:endParaRPr>
+            </a:p>
+          </p:txBody>
+        </p:sp>
+        <p:sp>
+          <p:nvSpPr>
+            <p:cNvPr id="25" name="文字方塊 24">
+              <a:extLst>
+                <a:ext uri="{FF2B5EF4-FFF2-40B4-BE49-F238E27FC236}">
+                  <a16:creationId xmlns:a16="http://schemas.microsoft.com/office/drawing/2014/main" id="{D5B655DA-AFD2-4D40-B077-FBC5A8242056}"/>
+                </a:ext>
+              </a:extLst>
+            </p:cNvPr>
+            <p:cNvSpPr txBox="1"/>
+            <p:nvPr/>
+          </p:nvSpPr>
+          <p:spPr>
+            <a:xfrm>
+              <a:off x="3999362" y="2438370"/>
+              <a:ext cx="642441" cy="307777"/>
+            </a:xfrm>
+            <a:prstGeom prst="rect">
+              <a:avLst/>
+            </a:prstGeom>
+            <a:noFill/>
+          </p:spPr>
+          <p:txBody>
+            <a:bodyPr wrap="square" rtlCol="0">
+              <a:spAutoFit/>
+            </a:bodyPr>
+            <a:lstStyle/>
+            <a:p>
+              <a:pPr algn="ctr"/>
+              <a:r>
+                <a:rPr lang="zh-TW" altLang="en-US" sz="1400" dirty="0">
+                  <a:latin typeface="標楷體" panose="03000509000000000000" pitchFamily="65" charset="-120"/>
+                  <a:ea typeface="標楷體" panose="03000509000000000000" pitchFamily="65" charset="-120"/>
+                </a:rPr>
+                <a:t>比對</a:t>
+              </a:r>
+            </a:p>
+          </p:txBody>
+        </p:sp>
+      </p:grpSp>
+      <p:grpSp>
+        <p:nvGrpSpPr>
+          <p:cNvPr id="27" name="群組 26">
+            <a:extLst>
+              <a:ext uri="{FF2B5EF4-FFF2-40B4-BE49-F238E27FC236}">
+                <a16:creationId xmlns:a16="http://schemas.microsoft.com/office/drawing/2014/main" id="{C8391BE6-224B-4BEB-AFEB-DB8B68194907}"/>
+              </a:ext>
+            </a:extLst>
+          </p:cNvPr>
+          <p:cNvGrpSpPr/>
+          <p:nvPr/>
+        </p:nvGrpSpPr>
+        <p:grpSpPr>
+          <a:xfrm>
+            <a:off x="7058206" y="2328992"/>
+            <a:ext cx="1217414" cy="443704"/>
+            <a:chOff x="4190387" y="1054788"/>
+            <a:chExt cx="1665129" cy="740456"/>
+          </a:xfrm>
+        </p:grpSpPr>
+        <p:sp>
+          <p:nvSpPr>
+            <p:cNvPr id="28" name="矩形 27">
+              <a:extLst>
+                <a:ext uri="{FF2B5EF4-FFF2-40B4-BE49-F238E27FC236}">
+                  <a16:creationId xmlns:a16="http://schemas.microsoft.com/office/drawing/2014/main" id="{2F9E035D-99E6-4247-A8E3-4CC0430A7B73}"/>
+                </a:ext>
+              </a:extLst>
+            </p:cNvPr>
+            <p:cNvSpPr/>
+            <p:nvPr/>
+          </p:nvSpPr>
+          <p:spPr>
+            <a:xfrm>
+              <a:off x="4190387" y="1054788"/>
+              <a:ext cx="1665129" cy="740456"/>
+            </a:xfrm>
+            <a:prstGeom prst="rect">
+              <a:avLst/>
+            </a:prstGeom>
+            <a:noFill/>
+            <a:ln>
+              <a:solidFill>
+                <a:schemeClr val="tx1"/>
+              </a:solidFill>
+            </a:ln>
+          </p:spPr>
+          <p:style>
+            <a:lnRef idx="2">
+              <a:schemeClr val="accent1">
+                <a:shade val="50000"/>
+              </a:schemeClr>
+            </a:lnRef>
+            <a:fillRef idx="1">
+              <a:schemeClr val="accent1"/>
+            </a:fillRef>
+            <a:effectRef idx="0">
+              <a:schemeClr val="accent1"/>
+            </a:effectRef>
+            <a:fontRef idx="minor">
+              <a:schemeClr val="lt1"/>
+            </a:fontRef>
+          </p:style>
+          <p:txBody>
+            <a:bodyPr rtlCol="0" anchor="ctr"/>
+            <a:lstStyle/>
+            <a:p>
+              <a:pPr algn="ctr"/>
+              <a:endParaRPr lang="zh-TW" altLang="en-US">
+                <a:latin typeface="標楷體" panose="03000509000000000000" pitchFamily="65" charset="-120"/>
+                <a:ea typeface="標楷體" panose="03000509000000000000" pitchFamily="65" charset="-120"/>
+              </a:endParaRPr>
+            </a:p>
+          </p:txBody>
+        </p:sp>
+        <p:sp>
+          <p:nvSpPr>
+            <p:cNvPr id="29" name="文字方塊 28">
+              <a:extLst>
+                <a:ext uri="{FF2B5EF4-FFF2-40B4-BE49-F238E27FC236}">
+                  <a16:creationId xmlns:a16="http://schemas.microsoft.com/office/drawing/2014/main" id="{17E0726F-BBD2-4805-AA44-7F122016FA6C}"/>
+                </a:ext>
+              </a:extLst>
+            </p:cNvPr>
+            <p:cNvSpPr txBox="1"/>
+            <p:nvPr/>
+          </p:nvSpPr>
+          <p:spPr>
+            <a:xfrm>
+              <a:off x="4372890" y="1154297"/>
+              <a:ext cx="1250657" cy="513620"/>
+            </a:xfrm>
+            <a:prstGeom prst="rect">
+              <a:avLst/>
+            </a:prstGeom>
+            <a:noFill/>
+          </p:spPr>
+          <p:txBody>
+            <a:bodyPr wrap="square" rtlCol="0">
+              <a:spAutoFit/>
+            </a:bodyPr>
+            <a:lstStyle/>
+            <a:p>
+              <a:pPr algn="ctr"/>
+              <a:r>
+                <a:rPr lang="zh-TW" altLang="en-US" sz="1400" dirty="0">
+                  <a:latin typeface="標楷體" panose="03000509000000000000" pitchFamily="65" charset="-120"/>
+                  <a:ea typeface="標楷體" panose="03000509000000000000" pitchFamily="65" charset="-120"/>
+                </a:rPr>
                 <a:t>占卜結果</a:t>
               </a:r>
             </a:p>
           </p:txBody>
         </p:sp>
-        <p:grpSp>
-          <p:nvGrpSpPr>
-            <p:cNvPr id="11" name="群組 10">
+      </p:grpSp>
+      <p:grpSp>
+        <p:nvGrpSpPr>
+          <p:cNvPr id="39" name="群組 38">
+            <a:extLst>
+              <a:ext uri="{FF2B5EF4-FFF2-40B4-BE49-F238E27FC236}">
+                <a16:creationId xmlns:a16="http://schemas.microsoft.com/office/drawing/2014/main" id="{914CD3AE-B154-4101-ADAD-1B6ABE1EF099}"/>
+              </a:ext>
+            </a:extLst>
+          </p:cNvPr>
+          <p:cNvGrpSpPr/>
+          <p:nvPr/>
+        </p:nvGrpSpPr>
+        <p:grpSpPr>
+          <a:xfrm>
+            <a:off x="4927551" y="3560998"/>
+            <a:ext cx="642441" cy="520116"/>
+            <a:chOff x="3999363" y="2361958"/>
+            <a:chExt cx="642441" cy="520116"/>
+          </a:xfrm>
+        </p:grpSpPr>
+        <p:sp>
+          <p:nvSpPr>
+            <p:cNvPr id="40" name="矩形 39">
               <a:extLst>
                 <a:ext uri="{FF2B5EF4-FFF2-40B4-BE49-F238E27FC236}">
-                  <a16:creationId xmlns:a16="http://schemas.microsoft.com/office/drawing/2014/main" id="{E685CE31-FD42-480A-91C8-B9CAAE510A2C}"/>
+                  <a16:creationId xmlns:a16="http://schemas.microsoft.com/office/drawing/2014/main" id="{7316C456-B231-4FFC-8779-4B48D2168C7E}"/>
                 </a:ext>
               </a:extLst>
             </p:cNvPr>
-            <p:cNvGrpSpPr/>
+            <p:cNvSpPr/>
             <p:nvPr/>
-          </p:nvGrpSpPr>
-          <p:grpSpPr>
+          </p:nvSpPr>
+          <p:spPr>
+            <a:xfrm rot="18688713">
+              <a:off x="4060526" y="2358908"/>
+              <a:ext cx="520116" cy="526216"/>
+            </a:xfrm>
+            <a:prstGeom prst="rect">
+              <a:avLst/>
+            </a:prstGeom>
+            <a:noFill/>
+            <a:ln>
+              <a:solidFill>
+                <a:schemeClr val="tx1"/>
+              </a:solidFill>
+            </a:ln>
+          </p:spPr>
+          <p:style>
+            <a:lnRef idx="2">
+              <a:schemeClr val="accent1">
+                <a:shade val="50000"/>
+              </a:schemeClr>
+            </a:lnRef>
+            <a:fillRef idx="1">
+              <a:schemeClr val="accent1"/>
+            </a:fillRef>
+            <a:effectRef idx="0">
+              <a:schemeClr val="accent1"/>
+            </a:effectRef>
+            <a:fontRef idx="minor">
+              <a:schemeClr val="lt1"/>
+            </a:fontRef>
+          </p:style>
+          <p:txBody>
+            <a:bodyPr rtlCol="0" anchor="ctr"/>
+            <a:lstStyle/>
+            <a:p>
+              <a:pPr algn="ctr"/>
+              <a:endParaRPr lang="zh-TW" altLang="en-US">
+                <a:latin typeface="標楷體" panose="03000509000000000000" pitchFamily="65" charset="-120"/>
+                <a:ea typeface="標楷體" panose="03000509000000000000" pitchFamily="65" charset="-120"/>
+              </a:endParaRPr>
+            </a:p>
+          </p:txBody>
+        </p:sp>
+        <p:sp>
+          <p:nvSpPr>
+            <p:cNvPr id="41" name="文字方塊 40">
+              <a:extLst>
+                <a:ext uri="{FF2B5EF4-FFF2-40B4-BE49-F238E27FC236}">
+                  <a16:creationId xmlns:a16="http://schemas.microsoft.com/office/drawing/2014/main" id="{EF3B5B32-C98A-47B3-8E46-6A9CB63B4DF2}"/>
+                </a:ext>
+              </a:extLst>
+            </p:cNvPr>
+            <p:cNvSpPr txBox="1"/>
+            <p:nvPr/>
+          </p:nvSpPr>
+          <p:spPr>
             <a:xfrm>
-              <a:off x="3688446" y="2362139"/>
-              <a:ext cx="1665129" cy="740456"/>
-              <a:chOff x="4190387" y="1054788"/>
-              <a:chExt cx="1665129" cy="740456"/>
+              <a:off x="3999363" y="2483516"/>
+              <a:ext cx="642441" cy="307777"/>
             </a:xfrm>
-          </p:grpSpPr>
-          <p:sp>
-            <p:nvSpPr>
-              <p:cNvPr id="12" name="矩形 11">
-                <a:extLst>
-                  <a:ext uri="{FF2B5EF4-FFF2-40B4-BE49-F238E27FC236}">
-                    <a16:creationId xmlns:a16="http://schemas.microsoft.com/office/drawing/2014/main" id="{96C64806-9D65-41B9-B4FD-E92C62575080}"/>
-                  </a:ext>
-                </a:extLst>
-              </p:cNvPr>
-              <p:cNvSpPr/>
-              <p:nvPr/>
-            </p:nvSpPr>
-            <p:spPr>
-              <a:xfrm>
-                <a:off x="4190387" y="1054788"/>
-                <a:ext cx="1665129" cy="740456"/>
-              </a:xfrm>
-              <a:prstGeom prst="rect">
-                <a:avLst/>
-              </a:prstGeom>
-              <a:noFill/>
-              <a:ln>
-                <a:solidFill>
-                  <a:schemeClr val="tx1"/>
-                </a:solidFill>
-              </a:ln>
-            </p:spPr>
-            <p:style>
-              <a:lnRef idx="2">
-                <a:schemeClr val="accent1">
-                  <a:shade val="50000"/>
-                </a:schemeClr>
-              </a:lnRef>
-              <a:fillRef idx="1">
-                <a:schemeClr val="accent1"/>
-              </a:fillRef>
-              <a:effectRef idx="0">
-                <a:schemeClr val="accent1"/>
-              </a:effectRef>
-              <a:fontRef idx="minor">
-                <a:schemeClr val="lt1"/>
-              </a:fontRef>
-            </p:style>
-            <p:txBody>
-              <a:bodyPr rtlCol="0" anchor="ctr"/>
-              <a:lstStyle/>
-              <a:p>
-                <a:pPr algn="ctr"/>
-                <a:endParaRPr lang="zh-TW" altLang="en-US"/>
-              </a:p>
-            </p:txBody>
-          </p:sp>
-          <p:sp>
-            <p:nvSpPr>
-              <p:cNvPr id="13" name="文字方塊 12">
-                <a:extLst>
-                  <a:ext uri="{FF2B5EF4-FFF2-40B4-BE49-F238E27FC236}">
-                    <a16:creationId xmlns:a16="http://schemas.microsoft.com/office/drawing/2014/main" id="{7DA52C78-48CE-4530-8327-BF14095ADD15}"/>
-                  </a:ext>
-                </a:extLst>
-              </p:cNvPr>
-              <p:cNvSpPr txBox="1"/>
-              <p:nvPr/>
-            </p:nvSpPr>
-            <p:spPr>
-              <a:xfrm>
-                <a:off x="4347637" y="1241246"/>
-                <a:ext cx="1350627" cy="369332"/>
-              </a:xfrm>
-              <a:prstGeom prst="rect">
-                <a:avLst/>
-              </a:prstGeom>
-              <a:noFill/>
-            </p:spPr>
-            <p:txBody>
-              <a:bodyPr wrap="square" rtlCol="0">
-                <a:spAutoFit/>
-              </a:bodyPr>
-              <a:lstStyle/>
-              <a:p>
-                <a:r>
-                  <a:rPr lang="zh-TW" altLang="en-US" dirty="0"/>
-                  <a:t>實體關聯圖</a:t>
-                </a:r>
-              </a:p>
-            </p:txBody>
-          </p:sp>
-        </p:grpSp>
+            <a:prstGeom prst="rect">
+              <a:avLst/>
+            </a:prstGeom>
+            <a:noFill/>
+          </p:spPr>
+          <p:txBody>
+            <a:bodyPr wrap="square" rtlCol="0">
+              <a:spAutoFit/>
+            </a:bodyPr>
+            <a:lstStyle/>
+            <a:p>
+              <a:pPr algn="ctr"/>
+              <a:r>
+                <a:rPr lang="zh-TW" altLang="en-US" sz="1400" dirty="0">
+                  <a:latin typeface="標楷體" panose="03000509000000000000" pitchFamily="65" charset="-120"/>
+                  <a:ea typeface="標楷體" panose="03000509000000000000" pitchFamily="65" charset="-120"/>
+                </a:rPr>
+                <a:t>選擇</a:t>
+              </a:r>
+            </a:p>
+          </p:txBody>
+        </p:sp>
       </p:grpSp>
+      <p:sp>
+        <p:nvSpPr>
+          <p:cNvPr id="48" name="文字方塊 47">
+            <a:extLst>
+              <a:ext uri="{FF2B5EF4-FFF2-40B4-BE49-F238E27FC236}">
+                <a16:creationId xmlns:a16="http://schemas.microsoft.com/office/drawing/2014/main" id="{F17976EF-5A76-42B7-85C0-13E6E7D45E52}"/>
+              </a:ext>
+            </a:extLst>
+          </p:cNvPr>
+          <p:cNvSpPr txBox="1"/>
+          <p:nvPr/>
+        </p:nvSpPr>
+        <p:spPr>
+          <a:xfrm>
+            <a:off x="4596977" y="2313008"/>
+            <a:ext cx="182179" cy="307777"/>
+          </a:xfrm>
+          <a:prstGeom prst="rect">
+            <a:avLst/>
+          </a:prstGeom>
+          <a:noFill/>
+        </p:spPr>
+        <p:txBody>
+          <a:bodyPr wrap="square" rtlCol="0">
+            <a:spAutoFit/>
+          </a:bodyPr>
+          <a:lstStyle/>
+          <a:p>
+            <a:r>
+              <a:rPr lang="en-US" altLang="zh-TW" sz="1400" dirty="0">
+                <a:latin typeface="Times New Roman" panose="02020603050405020304" pitchFamily="18" charset="0"/>
+                <a:ea typeface="標楷體" panose="03000509000000000000" pitchFamily="65" charset="-120"/>
+                <a:cs typeface="Times New Roman" panose="02020603050405020304" pitchFamily="18" charset="0"/>
+              </a:rPr>
+              <a:t>1</a:t>
+            </a:r>
+            <a:endParaRPr lang="zh-TW" altLang="en-US" sz="1400" dirty="0">
+              <a:latin typeface="Times New Roman" panose="02020603050405020304" pitchFamily="18" charset="0"/>
+              <a:ea typeface="標楷體" panose="03000509000000000000" pitchFamily="65" charset="-120"/>
+              <a:cs typeface="Times New Roman" panose="02020603050405020304" pitchFamily="18" charset="0"/>
+            </a:endParaRPr>
+          </a:p>
+        </p:txBody>
+      </p:sp>
+      <p:cxnSp>
+        <p:nvCxnSpPr>
+          <p:cNvPr id="51" name="直線接點 50">
+            <a:extLst>
+              <a:ext uri="{FF2B5EF4-FFF2-40B4-BE49-F238E27FC236}">
+                <a16:creationId xmlns:a16="http://schemas.microsoft.com/office/drawing/2014/main" id="{ED8B0D7F-EB62-45F9-8940-43E064B94EC5}"/>
+              </a:ext>
+            </a:extLst>
+          </p:cNvPr>
+          <p:cNvCxnSpPr>
+            <a:cxnSpLocks/>
+            <a:endCxn id="5" idx="0"/>
+          </p:cNvCxnSpPr>
+          <p:nvPr/>
+        </p:nvCxnSpPr>
+        <p:spPr>
+          <a:xfrm flipH="1">
+            <a:off x="3689672" y="2695326"/>
+            <a:ext cx="1295182" cy="871112"/>
+          </a:xfrm>
+          <a:prstGeom prst="line">
+            <a:avLst/>
+          </a:prstGeom>
+        </p:spPr>
+        <p:style>
+          <a:lnRef idx="1">
+            <a:schemeClr val="dk1"/>
+          </a:lnRef>
+          <a:fillRef idx="0">
+            <a:schemeClr val="dk1"/>
+          </a:fillRef>
+          <a:effectRef idx="0">
+            <a:schemeClr val="dk1"/>
+          </a:effectRef>
+          <a:fontRef idx="minor">
+            <a:schemeClr val="tx1"/>
+          </a:fontRef>
+        </p:style>
+      </p:cxnSp>
+      <p:sp>
+        <p:nvSpPr>
+          <p:cNvPr id="47" name="文字方塊 46">
+            <a:extLst>
+              <a:ext uri="{FF2B5EF4-FFF2-40B4-BE49-F238E27FC236}">
+                <a16:creationId xmlns:a16="http://schemas.microsoft.com/office/drawing/2014/main" id="{2BAD1A78-8FC6-40FB-83FF-795F31655E50}"/>
+              </a:ext>
+            </a:extLst>
+          </p:cNvPr>
+          <p:cNvSpPr txBox="1"/>
+          <p:nvPr/>
+        </p:nvSpPr>
+        <p:spPr>
+          <a:xfrm>
+            <a:off x="5581427" y="2281599"/>
+            <a:ext cx="344966" cy="307777"/>
+          </a:xfrm>
+          <a:prstGeom prst="rect">
+            <a:avLst/>
+          </a:prstGeom>
+          <a:noFill/>
+        </p:spPr>
+        <p:txBody>
+          <a:bodyPr wrap="none" rtlCol="0">
+            <a:spAutoFit/>
+          </a:bodyPr>
+          <a:lstStyle/>
+          <a:p>
+            <a:r>
+              <a:rPr lang="en-US" altLang="zh-TW" sz="1400" dirty="0">
+                <a:latin typeface="Times New Roman" panose="02020603050405020304" pitchFamily="18" charset="0"/>
+                <a:ea typeface="標楷體" panose="03000509000000000000" pitchFamily="65" charset="-120"/>
+                <a:cs typeface="Times New Roman" panose="02020603050405020304" pitchFamily="18" charset="0"/>
+              </a:rPr>
+              <a:t>M</a:t>
+            </a:r>
+            <a:endParaRPr lang="zh-TW" altLang="en-US" sz="1400" dirty="0">
+              <a:latin typeface="Times New Roman" panose="02020603050405020304" pitchFamily="18" charset="0"/>
+              <a:ea typeface="標楷體" panose="03000509000000000000" pitchFamily="65" charset="-120"/>
+              <a:cs typeface="Times New Roman" panose="02020603050405020304" pitchFamily="18" charset="0"/>
+            </a:endParaRPr>
+          </a:p>
+        </p:txBody>
+      </p:sp>
+      <p:cxnSp>
+        <p:nvCxnSpPr>
+          <p:cNvPr id="56" name="直線接點 55">
+            <a:extLst>
+              <a:ext uri="{FF2B5EF4-FFF2-40B4-BE49-F238E27FC236}">
+                <a16:creationId xmlns:a16="http://schemas.microsoft.com/office/drawing/2014/main" id="{DB24042B-4F45-4109-9EA8-1222ABE6748A}"/>
+              </a:ext>
+            </a:extLst>
+          </p:cNvPr>
+          <p:cNvCxnSpPr>
+            <a:cxnSpLocks/>
+            <a:stCxn id="28" idx="1"/>
+          </p:cNvCxnSpPr>
+          <p:nvPr/>
+        </p:nvCxnSpPr>
+        <p:spPr>
+          <a:xfrm flipH="1" flipV="1">
+            <a:off x="5566037" y="2520068"/>
+            <a:ext cx="1492169" cy="30776"/>
+          </a:xfrm>
+          <a:prstGeom prst="line">
+            <a:avLst/>
+          </a:prstGeom>
+        </p:spPr>
+        <p:style>
+          <a:lnRef idx="1">
+            <a:schemeClr val="dk1"/>
+          </a:lnRef>
+          <a:fillRef idx="0">
+            <a:schemeClr val="dk1"/>
+          </a:fillRef>
+          <a:effectRef idx="0">
+            <a:schemeClr val="dk1"/>
+          </a:effectRef>
+          <a:fontRef idx="minor">
+            <a:schemeClr val="tx1"/>
+          </a:fontRef>
+        </p:style>
+      </p:cxnSp>
+      <p:sp>
+        <p:nvSpPr>
+          <p:cNvPr id="34" name="文字方塊 33">
+            <a:extLst>
+              <a:ext uri="{FF2B5EF4-FFF2-40B4-BE49-F238E27FC236}">
+                <a16:creationId xmlns:a16="http://schemas.microsoft.com/office/drawing/2014/main" id="{176C593B-6969-4093-8391-FE08CCC0B427}"/>
+              </a:ext>
+            </a:extLst>
+          </p:cNvPr>
+          <p:cNvSpPr txBox="1"/>
+          <p:nvPr/>
+        </p:nvSpPr>
+        <p:spPr>
+          <a:xfrm>
+            <a:off x="8491901" y="3207316"/>
+            <a:ext cx="344966" cy="307777"/>
+          </a:xfrm>
+          <a:prstGeom prst="rect">
+            <a:avLst/>
+          </a:prstGeom>
+          <a:noFill/>
+        </p:spPr>
+        <p:txBody>
+          <a:bodyPr wrap="none" rtlCol="0">
+            <a:spAutoFit/>
+          </a:bodyPr>
+          <a:lstStyle/>
+          <a:p>
+            <a:r>
+              <a:rPr lang="en-US" altLang="zh-TW" sz="1400" dirty="0">
+                <a:latin typeface="Times New Roman" panose="02020603050405020304" pitchFamily="18" charset="0"/>
+                <a:ea typeface="標楷體" panose="03000509000000000000" pitchFamily="65" charset="-120"/>
+                <a:cs typeface="Times New Roman" panose="02020603050405020304" pitchFamily="18" charset="0"/>
+              </a:rPr>
+              <a:t>M</a:t>
+            </a:r>
+            <a:endParaRPr lang="zh-TW" altLang="en-US" sz="1400" dirty="0">
+              <a:latin typeface="Times New Roman" panose="02020603050405020304" pitchFamily="18" charset="0"/>
+              <a:ea typeface="標楷體" panose="03000509000000000000" pitchFamily="65" charset="-120"/>
+              <a:cs typeface="Times New Roman" panose="02020603050405020304" pitchFamily="18" charset="0"/>
+            </a:endParaRPr>
+          </a:p>
+        </p:txBody>
+      </p:sp>
+      <p:cxnSp>
+        <p:nvCxnSpPr>
+          <p:cNvPr id="62" name="直線接點 61">
+            <a:extLst>
+              <a:ext uri="{FF2B5EF4-FFF2-40B4-BE49-F238E27FC236}">
+                <a16:creationId xmlns:a16="http://schemas.microsoft.com/office/drawing/2014/main" id="{BEF29D22-7616-444C-AF98-4E83481CCF10}"/>
+              </a:ext>
+            </a:extLst>
+          </p:cNvPr>
+          <p:cNvCxnSpPr>
+            <a:cxnSpLocks/>
+          </p:cNvCxnSpPr>
+          <p:nvPr/>
+        </p:nvCxnSpPr>
+        <p:spPr>
+          <a:xfrm flipH="1" flipV="1">
+            <a:off x="8106023" y="2779474"/>
+            <a:ext cx="401196" cy="716132"/>
+          </a:xfrm>
+          <a:prstGeom prst="line">
+            <a:avLst/>
+          </a:prstGeom>
+        </p:spPr>
+        <p:style>
+          <a:lnRef idx="1">
+            <a:schemeClr val="dk1"/>
+          </a:lnRef>
+          <a:fillRef idx="0">
+            <a:schemeClr val="dk1"/>
+          </a:fillRef>
+          <a:effectRef idx="0">
+            <a:schemeClr val="dk1"/>
+          </a:effectRef>
+          <a:fontRef idx="minor">
+            <a:schemeClr val="tx1"/>
+          </a:fontRef>
+        </p:style>
+      </p:cxnSp>
+      <p:sp>
+        <p:nvSpPr>
+          <p:cNvPr id="33" name="文字方塊 32">
+            <a:extLst>
+              <a:ext uri="{FF2B5EF4-FFF2-40B4-BE49-F238E27FC236}">
+                <a16:creationId xmlns:a16="http://schemas.microsoft.com/office/drawing/2014/main" id="{6095155E-1017-43FA-B435-82DB8238704F}"/>
+              </a:ext>
+            </a:extLst>
+          </p:cNvPr>
+          <p:cNvSpPr txBox="1"/>
+          <p:nvPr/>
+        </p:nvSpPr>
+        <p:spPr>
+          <a:xfrm>
+            <a:off x="8012466" y="3500879"/>
+            <a:ext cx="274434" cy="307777"/>
+          </a:xfrm>
+          <a:prstGeom prst="rect">
+            <a:avLst/>
+          </a:prstGeom>
+          <a:noFill/>
+        </p:spPr>
+        <p:txBody>
+          <a:bodyPr wrap="none" rtlCol="0">
+            <a:spAutoFit/>
+          </a:bodyPr>
+          <a:lstStyle/>
+          <a:p>
+            <a:r>
+              <a:rPr lang="en-US" altLang="zh-TW" sz="1400" dirty="0">
+                <a:latin typeface="Times New Roman" panose="02020603050405020304" pitchFamily="18" charset="0"/>
+                <a:ea typeface="標楷體" panose="03000509000000000000" pitchFamily="65" charset="-120"/>
+                <a:cs typeface="Times New Roman" panose="02020603050405020304" pitchFamily="18" charset="0"/>
+              </a:rPr>
+              <a:t>1</a:t>
+            </a:r>
+            <a:endParaRPr lang="zh-TW" altLang="en-US" sz="1400" dirty="0">
+              <a:latin typeface="Times New Roman" panose="02020603050405020304" pitchFamily="18" charset="0"/>
+              <a:ea typeface="標楷體" panose="03000509000000000000" pitchFamily="65" charset="-120"/>
+              <a:cs typeface="Times New Roman" panose="02020603050405020304" pitchFamily="18" charset="0"/>
+            </a:endParaRPr>
+          </a:p>
+        </p:txBody>
+      </p:sp>
+      <p:cxnSp>
+        <p:nvCxnSpPr>
+          <p:cNvPr id="65" name="直線接點 64">
+            <a:extLst>
+              <a:ext uri="{FF2B5EF4-FFF2-40B4-BE49-F238E27FC236}">
+                <a16:creationId xmlns:a16="http://schemas.microsoft.com/office/drawing/2014/main" id="{C685EC82-0F55-4715-BE80-386CE3A19D25}"/>
+              </a:ext>
+            </a:extLst>
+          </p:cNvPr>
+          <p:cNvCxnSpPr>
+            <a:cxnSpLocks/>
+            <a:endCxn id="16" idx="3"/>
+          </p:cNvCxnSpPr>
+          <p:nvPr/>
+        </p:nvCxnSpPr>
+        <p:spPr>
+          <a:xfrm flipH="1" flipV="1">
+            <a:off x="7422034" y="3851539"/>
+            <a:ext cx="762284" cy="12486"/>
+          </a:xfrm>
+          <a:prstGeom prst="line">
+            <a:avLst/>
+          </a:prstGeom>
+        </p:spPr>
+        <p:style>
+          <a:lnRef idx="1">
+            <a:schemeClr val="dk1"/>
+          </a:lnRef>
+          <a:fillRef idx="0">
+            <a:schemeClr val="dk1"/>
+          </a:fillRef>
+          <a:effectRef idx="0">
+            <a:schemeClr val="dk1"/>
+          </a:effectRef>
+          <a:fontRef idx="minor">
+            <a:schemeClr val="tx1"/>
+          </a:fontRef>
+        </p:style>
+      </p:cxnSp>
+      <p:sp>
+        <p:nvSpPr>
+          <p:cNvPr id="19" name="文字方塊 18">
+            <a:extLst>
+              <a:ext uri="{FF2B5EF4-FFF2-40B4-BE49-F238E27FC236}">
+                <a16:creationId xmlns:a16="http://schemas.microsoft.com/office/drawing/2014/main" id="{46F46515-9D65-459B-9C41-E32D70D30091}"/>
+              </a:ext>
+            </a:extLst>
+          </p:cNvPr>
+          <p:cNvSpPr txBox="1"/>
+          <p:nvPr/>
+        </p:nvSpPr>
+        <p:spPr>
+          <a:xfrm>
+            <a:off x="5537702" y="3528667"/>
+            <a:ext cx="274434" cy="307777"/>
+          </a:xfrm>
+          <a:prstGeom prst="rect">
+            <a:avLst/>
+          </a:prstGeom>
+          <a:noFill/>
+        </p:spPr>
+        <p:txBody>
+          <a:bodyPr wrap="none" rtlCol="0">
+            <a:spAutoFit/>
+          </a:bodyPr>
+          <a:lstStyle/>
+          <a:p>
+            <a:r>
+              <a:rPr lang="en-US" altLang="zh-TW" sz="1400" dirty="0">
+                <a:latin typeface="Times New Roman" panose="02020603050405020304" pitchFamily="18" charset="0"/>
+                <a:ea typeface="標楷體" panose="03000509000000000000" pitchFamily="65" charset="-120"/>
+                <a:cs typeface="Times New Roman" panose="02020603050405020304" pitchFamily="18" charset="0"/>
+              </a:rPr>
+              <a:t>1</a:t>
+            </a:r>
+            <a:endParaRPr lang="zh-TW" altLang="en-US" sz="1400" dirty="0">
+              <a:latin typeface="Times New Roman" panose="02020603050405020304" pitchFamily="18" charset="0"/>
+              <a:ea typeface="標楷體" panose="03000509000000000000" pitchFamily="65" charset="-120"/>
+              <a:cs typeface="Times New Roman" panose="02020603050405020304" pitchFamily="18" charset="0"/>
+            </a:endParaRPr>
+          </a:p>
+        </p:txBody>
+      </p:sp>
+      <p:cxnSp>
+        <p:nvCxnSpPr>
+          <p:cNvPr id="72" name="直線接點 71">
+            <a:extLst>
+              <a:ext uri="{FF2B5EF4-FFF2-40B4-BE49-F238E27FC236}">
+                <a16:creationId xmlns:a16="http://schemas.microsoft.com/office/drawing/2014/main" id="{77E82D49-30FF-4584-99CC-5C91B8D78620}"/>
+              </a:ext>
+            </a:extLst>
+          </p:cNvPr>
+          <p:cNvCxnSpPr>
+            <a:cxnSpLocks/>
+            <a:stCxn id="16" idx="1"/>
+          </p:cNvCxnSpPr>
+          <p:nvPr/>
+        </p:nvCxnSpPr>
+        <p:spPr>
+          <a:xfrm flipH="1" flipV="1">
+            <a:off x="5610923" y="3799057"/>
+            <a:ext cx="676790" cy="52482"/>
+          </a:xfrm>
+          <a:prstGeom prst="line">
+            <a:avLst/>
+          </a:prstGeom>
+        </p:spPr>
+        <p:style>
+          <a:lnRef idx="1">
+            <a:schemeClr val="dk1"/>
+          </a:lnRef>
+          <a:fillRef idx="0">
+            <a:schemeClr val="dk1"/>
+          </a:fillRef>
+          <a:effectRef idx="0">
+            <a:schemeClr val="dk1"/>
+          </a:effectRef>
+          <a:fontRef idx="minor">
+            <a:schemeClr val="tx1"/>
+          </a:fontRef>
+        </p:style>
+      </p:cxnSp>
+      <p:sp>
+        <p:nvSpPr>
+          <p:cNvPr id="18" name="文字方塊 17">
+            <a:extLst>
+              <a:ext uri="{FF2B5EF4-FFF2-40B4-BE49-F238E27FC236}">
+                <a16:creationId xmlns:a16="http://schemas.microsoft.com/office/drawing/2014/main" id="{C9297427-0C12-4DEE-B91E-0E513DFFCBC9}"/>
+              </a:ext>
+            </a:extLst>
+          </p:cNvPr>
+          <p:cNvSpPr txBox="1"/>
+          <p:nvPr/>
+        </p:nvSpPr>
+        <p:spPr>
+          <a:xfrm>
+            <a:off x="4268029" y="3522279"/>
+            <a:ext cx="274434" cy="307777"/>
+          </a:xfrm>
+          <a:prstGeom prst="rect">
+            <a:avLst/>
+          </a:prstGeom>
+          <a:noFill/>
+        </p:spPr>
+        <p:txBody>
+          <a:bodyPr wrap="none" rtlCol="0">
+            <a:spAutoFit/>
+          </a:bodyPr>
+          <a:lstStyle/>
+          <a:p>
+            <a:r>
+              <a:rPr lang="en-US" altLang="zh-TW" sz="1400" dirty="0">
+                <a:latin typeface="Times New Roman" panose="02020603050405020304" pitchFamily="18" charset="0"/>
+                <a:ea typeface="標楷體" panose="03000509000000000000" pitchFamily="65" charset="-120"/>
+                <a:cs typeface="Times New Roman" panose="02020603050405020304" pitchFamily="18" charset="0"/>
+              </a:rPr>
+              <a:t>1</a:t>
+            </a:r>
+            <a:endParaRPr lang="zh-TW" altLang="en-US" sz="1400" dirty="0">
+              <a:latin typeface="Times New Roman" panose="02020603050405020304" pitchFamily="18" charset="0"/>
+              <a:ea typeface="標楷體" panose="03000509000000000000" pitchFamily="65" charset="-120"/>
+              <a:cs typeface="Times New Roman" panose="02020603050405020304" pitchFamily="18" charset="0"/>
+            </a:endParaRPr>
+          </a:p>
+        </p:txBody>
+      </p:sp>
+      <p:cxnSp>
+        <p:nvCxnSpPr>
+          <p:cNvPr id="76" name="直線接點 75">
+            <a:extLst>
+              <a:ext uri="{FF2B5EF4-FFF2-40B4-BE49-F238E27FC236}">
+                <a16:creationId xmlns:a16="http://schemas.microsoft.com/office/drawing/2014/main" id="{E9A670D1-600C-44BB-B70A-04FE7A133B8D}"/>
+              </a:ext>
+            </a:extLst>
+          </p:cNvPr>
+          <p:cNvCxnSpPr>
+            <a:cxnSpLocks/>
+            <a:endCxn id="5" idx="3"/>
+          </p:cNvCxnSpPr>
+          <p:nvPr/>
+        </p:nvCxnSpPr>
+        <p:spPr>
+          <a:xfrm flipH="1" flipV="1">
+            <a:off x="4298379" y="3788290"/>
+            <a:ext cx="580425" cy="50193"/>
+          </a:xfrm>
+          <a:prstGeom prst="line">
+            <a:avLst/>
+          </a:prstGeom>
+        </p:spPr>
+        <p:style>
+          <a:lnRef idx="1">
+            <a:schemeClr val="dk1"/>
+          </a:lnRef>
+          <a:fillRef idx="0">
+            <a:schemeClr val="dk1"/>
+          </a:fillRef>
+          <a:effectRef idx="0">
+            <a:schemeClr val="dk1"/>
+          </a:effectRef>
+          <a:fontRef idx="minor">
+            <a:schemeClr val="tx1"/>
+          </a:fontRef>
+        </p:style>
+      </p:cxnSp>
     </p:spTree>
     <p:extLst>
       <p:ext uri="{BB962C8B-B14F-4D97-AF65-F5344CB8AC3E}">
-        <p14:creationId xmlns:p14="http://schemas.microsoft.com/office/powerpoint/2010/main" val="1171094854"/>
+        <p14:creationId xmlns:p14="http://schemas.microsoft.com/office/powerpoint/2010/main" val="1868203810"/>
       </p:ext>
     </p:extLst>
   </p:cSld>
@@ -3894,7 +4196,7 @@
         <a:srgbClr val="E7E6E6"/>
       </a:lt2>
       <a:accent1>
-        <a:srgbClr val="4472C4"/>
+        <a:srgbClr val="5B9BD5"/>
       </a:accent1>
       <a:accent2>
         <a:srgbClr val="ED7D31"/>
@@ -3906,7 +4208,7 @@
         <a:srgbClr val="FFC000"/>
       </a:accent4>
       <a:accent5>
-        <a:srgbClr val="5B9BD5"/>
+        <a:srgbClr val="4472C4"/>
       </a:accent5>
       <a:accent6>
         <a:srgbClr val="70AD47"/>
@@ -3953,23 +4255,6 @@
         <a:font script="Viet" typeface="Times New Roman"/>
         <a:font script="Uigh" typeface="Microsoft Uighur"/>
         <a:font script="Geor" typeface="Sylfaen"/>
-        <a:font script="Armn" typeface="Arial"/>
-        <a:font script="Bugi" typeface="Leelawadee UI"/>
-        <a:font script="Bopo" typeface="Microsoft JhengHei"/>
-        <a:font script="Java" typeface="Javanese Text"/>
-        <a:font script="Lisu" typeface="Segoe UI"/>
-        <a:font script="Mymr" typeface="Myanmar Text"/>
-        <a:font script="Nkoo" typeface="Ebrima"/>
-        <a:font script="Olck" typeface="Nirmala UI"/>
-        <a:font script="Osma" typeface="Ebrima"/>
-        <a:font script="Phag" typeface="Phagspa"/>
-        <a:font script="Syrn" typeface="Estrangelo Edessa"/>
-        <a:font script="Syrj" typeface="Estrangelo Edessa"/>
-        <a:font script="Syre" typeface="Estrangelo Edessa"/>
-        <a:font script="Sora" typeface="Nirmala UI"/>
-        <a:font script="Tale" typeface="Microsoft Tai Le"/>
-        <a:font script="Talu" typeface="Microsoft New Tai Lue"/>
-        <a:font script="Tfng" typeface="Ebrima"/>
       </a:majorFont>
       <a:minorFont>
         <a:latin typeface="Calibri" panose="020F0502020204030204"/>
@@ -4005,23 +4290,6 @@
         <a:font script="Viet" typeface="Arial"/>
         <a:font script="Uigh" typeface="Microsoft Uighur"/>
         <a:font script="Geor" typeface="Sylfaen"/>
-        <a:font script="Armn" typeface="Arial"/>
-        <a:font script="Bugi" typeface="Leelawadee UI"/>
-        <a:font script="Bopo" typeface="Microsoft JhengHei"/>
-        <a:font script="Java" typeface="Javanese Text"/>
-        <a:font script="Lisu" typeface="Segoe UI"/>
-        <a:font script="Mymr" typeface="Myanmar Text"/>
-        <a:font script="Nkoo" typeface="Ebrima"/>
-        <a:font script="Olck" typeface="Nirmala UI"/>
-        <a:font script="Osma" typeface="Ebrima"/>
-        <a:font script="Phag" typeface="Phagspa"/>
-        <a:font script="Syrn" typeface="Estrangelo Edessa"/>
-        <a:font script="Syrj" typeface="Estrangelo Edessa"/>
-        <a:font script="Syre" typeface="Estrangelo Edessa"/>
-        <a:font script="Sora" typeface="Nirmala UI"/>
-        <a:font script="Tale" typeface="Microsoft Tai Le"/>
-        <a:font script="Talu" typeface="Microsoft New Tai Lue"/>
-        <a:font script="Tfng" typeface="Ebrima"/>
       </a:minorFont>
     </a:fontScheme>
     <a:fmtScheme name="Office">
